--- a/notes/毕业答辩.pptx
+++ b/notes/毕业答辩.pptx
@@ -223,7 +223,7 @@
           <a:p>
             <a:fld id="{3E6E1E63-6347-BD4F-A808-7F54FA34CE72}" type="datetimeFigureOut">
               <a:rPr kumimoji="1" lang="zh-CN" altLang="en-US" smtClean="0"/>
-              <a:t>2018/6/5</a:t>
+              <a:t>2018/6/6</a:t>
             </a:fld>
             <a:endParaRPr kumimoji="1" lang="zh-CN" altLang="en-US"/>
           </a:p>
@@ -536,7 +536,17 @@
           <a:p>
             <a:r>
               <a:rPr lang="zh-CN" altLang="en-US" dirty="0" smtClean="0"/>
-              <a:t>在我国电信行业飞速发展的同时，运营商开展的业务也在与时俱进，业务的发展也带来了一些网络管理维护上的难题。</a:t>
+              <a:t>自我介绍</a:t>
+            </a:r>
+            <a:endParaRPr lang="en-US" altLang="zh-CN" dirty="0" smtClean="0"/>
+          </a:p>
+          <a:p>
+            <a:endParaRPr lang="en-US" altLang="zh-CN" dirty="0" smtClean="0"/>
+          </a:p>
+          <a:p>
+            <a:r>
+              <a:rPr lang="zh-CN" altLang="en-US" dirty="0" smtClean="0"/>
+              <a:t>向各位老师在今天下午不辞辛苦参加我的论文答辩表示衷心的感谢，接下来我将本论文设计的目的和主要内容向各位老师作一汇报，恳请各位老师批评指导</a:t>
             </a:r>
             <a:endParaRPr lang="zh-CN" altLang="en-US" dirty="0"/>
           </a:p>
@@ -559,7 +569,7 @@
           <a:p>
             <a:fld id="{211EDE8F-5748-564A-B104-45C8D6344219}" type="slidenum">
               <a:rPr kumimoji="1" lang="zh-CN" altLang="en-US" smtClean="0"/>
-              <a:t>4</a:t>
+              <a:t>1</a:t>
             </a:fld>
             <a:endParaRPr kumimoji="1" lang="zh-CN" altLang="en-US"/>
           </a:p>
@@ -568,7 +578,103 @@
     </p:spTree>
     <p:extLst>
       <p:ext uri="{BB962C8B-B14F-4D97-AF65-F5344CB8AC3E}">
-        <p14:creationId xmlns:p14="http://schemas.microsoft.com/office/powerpoint/2010/main" val="234629299"/>
+        <p14:creationId xmlns:p14="http://schemas.microsoft.com/office/powerpoint/2010/main" val="163404478"/>
+      </p:ext>
+    </p:extLst>
+  </p:cSld>
+  <p:clrMapOvr>
+    <a:masterClrMapping/>
+  </p:clrMapOvr>
+</p:notes>
+</file>
+
+<file path=ppt/notesSlides/notesSlide10.xml><?xml version="1.0" encoding="utf-8"?>
+<p:notes xmlns:a="http://schemas.openxmlformats.org/drawingml/2006/main" xmlns:r="http://schemas.openxmlformats.org/officeDocument/2006/relationships" xmlns:p="http://schemas.openxmlformats.org/presentationml/2006/main">
+  <p:cSld>
+    <p:spTree>
+      <p:nvGrpSpPr>
+        <p:cNvPr id="1" name=""/>
+        <p:cNvGrpSpPr/>
+        <p:nvPr/>
+      </p:nvGrpSpPr>
+      <p:grpSpPr>
+        <a:xfrm>
+          <a:off x="0" y="0"/>
+          <a:ext cx="0" cy="0"/>
+          <a:chOff x="0" y="0"/>
+          <a:chExt cx="0" cy="0"/>
+        </a:xfrm>
+      </p:grpSpPr>
+      <p:sp>
+        <p:nvSpPr>
+          <p:cNvPr id="2" name="幻灯片图像占位符 1"/>
+          <p:cNvSpPr>
+            <a:spLocks noGrp="1" noRot="1" noChangeAspect="1"/>
+          </p:cNvSpPr>
+          <p:nvPr>
+            <p:ph type="sldImg"/>
+          </p:nvPr>
+        </p:nvSpPr>
+        <p:spPr/>
+      </p:sp>
+      <p:sp>
+        <p:nvSpPr>
+          <p:cNvPr id="3" name="备注占位符 2"/>
+          <p:cNvSpPr>
+            <a:spLocks noGrp="1"/>
+          </p:cNvSpPr>
+          <p:nvPr>
+            <p:ph type="body" idx="1"/>
+          </p:nvPr>
+        </p:nvSpPr>
+        <p:spPr/>
+        <p:txBody>
+          <a:bodyPr/>
+          <a:lstStyle/>
+          <a:p>
+            <a:r>
+              <a:rPr lang="zh-CN" altLang="en-US" sz="1200" kern="1200" dirty="0" smtClean="0">
+                <a:solidFill>
+                  <a:schemeClr val="tx1"/>
+                </a:solidFill>
+                <a:effectLst/>
+                <a:latin typeface="+mn-lt"/>
+                <a:ea typeface="+mn-ea"/>
+                <a:cs typeface="+mn-cs"/>
+              </a:rPr>
+              <a:t>以上是大数据系统工程性的设计，这里还给出了就系统建成后对于如何运用大数据以及数据挖掘技术解决实际网络管理难题的场景和思路</a:t>
+            </a:r>
+            <a:endParaRPr lang="zh-CN" altLang="en-US" dirty="0"/>
+          </a:p>
+        </p:txBody>
+      </p:sp>
+      <p:sp>
+        <p:nvSpPr>
+          <p:cNvPr id="4" name="灯片编号占位符 3"/>
+          <p:cNvSpPr>
+            <a:spLocks noGrp="1"/>
+          </p:cNvSpPr>
+          <p:nvPr>
+            <p:ph type="sldNum" sz="quarter" idx="10"/>
+          </p:nvPr>
+        </p:nvSpPr>
+        <p:spPr/>
+        <p:txBody>
+          <a:bodyPr/>
+          <a:lstStyle/>
+          <a:p>
+            <a:fld id="{211EDE8F-5748-564A-B104-45C8D6344219}" type="slidenum">
+              <a:rPr kumimoji="1" lang="zh-CN" altLang="en-US" smtClean="0"/>
+              <a:t>18</a:t>
+            </a:fld>
+            <a:endParaRPr kumimoji="1" lang="zh-CN" altLang="en-US"/>
+          </a:p>
+        </p:txBody>
+      </p:sp>
+    </p:spTree>
+    <p:extLst>
+      <p:ext uri="{BB962C8B-B14F-4D97-AF65-F5344CB8AC3E}">
+        <p14:creationId xmlns:p14="http://schemas.microsoft.com/office/powerpoint/2010/main" val="3303032916"/>
       </p:ext>
     </p:extLst>
   </p:cSld>
@@ -623,153 +729,10 @@
           <a:lstStyle/>
           <a:p>
             <a:r>
-              <a:rPr lang="zh-CN" altLang="zh-CN" sz="1200" kern="1200" dirty="0" smtClean="0">
-                <a:solidFill>
-                  <a:schemeClr val="tx1"/>
-                </a:solidFill>
-                <a:effectLst/>
-                <a:latin typeface="+mn-lt"/>
-                <a:ea typeface="+mn-ea"/>
-                <a:cs typeface="+mn-cs"/>
-              </a:rPr>
-              <a:t>其网络管理中心负责主要业务包含无线及有线总共十二类业务，支撑十二类业务的背后包含十三类网络、四大类设备。如此众多的业务伴随而来的是海量的数据：日志、参数、拓扑等等。</a:t>
-            </a:r>
-            <a:endParaRPr lang="en-US" altLang="zh-CN" sz="1200" kern="1200" dirty="0" smtClean="0">
-              <a:solidFill>
-                <a:schemeClr val="tx1"/>
-              </a:solidFill>
-              <a:effectLst/>
-              <a:latin typeface="+mn-lt"/>
-              <a:ea typeface="+mn-ea"/>
-              <a:cs typeface="+mn-cs"/>
-            </a:endParaRPr>
-          </a:p>
-          <a:p>
-            <a:endParaRPr lang="en-US" altLang="zh-CN" sz="1200" kern="1200" dirty="0" smtClean="0">
-              <a:solidFill>
-                <a:schemeClr val="tx1"/>
-              </a:solidFill>
-              <a:effectLst/>
-              <a:latin typeface="+mn-lt"/>
-              <a:ea typeface="+mn-ea"/>
-              <a:cs typeface="+mn-cs"/>
-            </a:endParaRPr>
-          </a:p>
-          <a:p>
-            <a:r>
-              <a:rPr lang="zh-CN" altLang="zh-CN" sz="1200" kern="1200" dirty="0" smtClean="0">
-                <a:solidFill>
-                  <a:schemeClr val="tx1"/>
-                </a:solidFill>
-                <a:effectLst/>
-                <a:latin typeface="+mn-lt"/>
-                <a:ea typeface="+mn-ea"/>
-                <a:cs typeface="+mn-cs"/>
-              </a:rPr>
-              <a:t>现在是一个数据化的时代，也是一个移动化的时代。著名分析公司</a:t>
-            </a:r>
-            <a:r>
-              <a:rPr lang="en-US" altLang="zh-CN" sz="1200" kern="1200" dirty="0" smtClean="0">
-                <a:solidFill>
-                  <a:schemeClr val="tx1"/>
-                </a:solidFill>
-                <a:effectLst/>
-                <a:latin typeface="+mn-lt"/>
-                <a:ea typeface="+mn-ea"/>
-                <a:cs typeface="+mn-cs"/>
-              </a:rPr>
-              <a:t> Gartner </a:t>
-            </a:r>
-            <a:r>
-              <a:rPr lang="zh-CN" altLang="zh-CN" sz="1200" kern="1200" dirty="0" smtClean="0">
-                <a:solidFill>
-                  <a:schemeClr val="tx1"/>
-                </a:solidFill>
-                <a:effectLst/>
-                <a:latin typeface="+mn-lt"/>
-                <a:ea typeface="+mn-ea"/>
-                <a:cs typeface="+mn-cs"/>
-              </a:rPr>
-              <a:t>在报告中指出未来的公司都将是数据公司</a:t>
-            </a:r>
-            <a:r>
-              <a:rPr lang="zh-CN" altLang="en-US" sz="1200" kern="1200" dirty="0" smtClean="0">
-                <a:solidFill>
-                  <a:schemeClr val="tx1"/>
-                </a:solidFill>
-                <a:effectLst/>
-                <a:latin typeface="+mn-lt"/>
-                <a:ea typeface="+mn-ea"/>
-                <a:cs typeface="+mn-cs"/>
-              </a:rPr>
-              <a:t>。</a:t>
-            </a:r>
-            <a:endParaRPr lang="en-US" altLang="zh-CN" sz="1200" kern="1200" dirty="0" smtClean="0">
-              <a:solidFill>
-                <a:schemeClr val="tx1"/>
-              </a:solidFill>
-              <a:effectLst/>
-              <a:latin typeface="+mn-lt"/>
-              <a:ea typeface="+mn-ea"/>
-              <a:cs typeface="+mn-cs"/>
-            </a:endParaRPr>
-          </a:p>
-          <a:p>
-            <a:endParaRPr lang="en-US" altLang="zh-CN" sz="1200" kern="1200" dirty="0" smtClean="0">
-              <a:solidFill>
-                <a:schemeClr val="tx1"/>
-              </a:solidFill>
-              <a:effectLst/>
-              <a:latin typeface="+mn-lt"/>
-              <a:ea typeface="+mn-ea"/>
-              <a:cs typeface="+mn-cs"/>
-            </a:endParaRPr>
-          </a:p>
-          <a:p>
-            <a:r>
-              <a:rPr lang="zh-CN" altLang="en-US" sz="1200" kern="1200" dirty="0" smtClean="0">
-                <a:solidFill>
-                  <a:schemeClr val="tx1"/>
-                </a:solidFill>
-                <a:effectLst/>
-                <a:latin typeface="+mn-lt"/>
-                <a:ea typeface="+mn-ea"/>
-                <a:cs typeface="+mn-cs"/>
-              </a:rPr>
-              <a:t>但是对于运营商来说，面对巨量的数据，传统的管理手段必然不可行，因此需要将大数据及数据挖掘技术引入到网络管理维护工作中来，大数据建设是数据挖掘的基础</a:t>
-            </a:r>
-            <a:endParaRPr lang="en-US" altLang="zh-CN" sz="1200" kern="1200" dirty="0" smtClean="0">
-              <a:solidFill>
-                <a:schemeClr val="tx1"/>
-              </a:solidFill>
-              <a:effectLst/>
-              <a:latin typeface="+mn-lt"/>
-              <a:ea typeface="+mn-ea"/>
-              <a:cs typeface="+mn-cs"/>
-            </a:endParaRPr>
-          </a:p>
-          <a:p>
-            <a:r>
-              <a:rPr lang="zh-CN" altLang="zh-CN" sz="1200" kern="1200" dirty="0" smtClean="0">
-                <a:solidFill>
-                  <a:schemeClr val="tx1"/>
-                </a:solidFill>
-                <a:effectLst/>
-                <a:latin typeface="+mn-lt"/>
-                <a:ea typeface="+mn-ea"/>
-                <a:cs typeface="+mn-cs"/>
-              </a:rPr>
-              <a:t>大数据意味着对数据的获取、存储、分析、呈现等方式都提出了新的挑战，</a:t>
-            </a:r>
-            <a:endParaRPr lang="en-US" altLang="zh-CN" sz="1200" kern="1200" dirty="0" smtClean="0">
-              <a:solidFill>
-                <a:schemeClr val="tx1"/>
-              </a:solidFill>
-              <a:effectLst/>
-              <a:latin typeface="+mn-lt"/>
-              <a:ea typeface="+mn-ea"/>
-              <a:cs typeface="+mn-cs"/>
-            </a:endParaRPr>
+              <a:rPr lang="zh-CN" altLang="en-US" dirty="0" smtClean="0"/>
+              <a:t>在我国电信行业飞速发展的同时，运营商开展的业务也在与时俱进，业务的发展也带来了一些网络管理维护上的难题。</a:t>
+            </a:r>
+            <a:endParaRPr lang="zh-CN" altLang="en-US" dirty="0"/>
           </a:p>
         </p:txBody>
       </p:sp>
@@ -790,7 +753,7 @@
           <a:p>
             <a:fld id="{211EDE8F-5748-564A-B104-45C8D6344219}" type="slidenum">
               <a:rPr kumimoji="1" lang="zh-CN" altLang="en-US" smtClean="0"/>
-              <a:t>5</a:t>
+              <a:t>4</a:t>
             </a:fld>
             <a:endParaRPr kumimoji="1" lang="zh-CN" altLang="en-US"/>
           </a:p>
@@ -799,7 +762,7 @@
     </p:spTree>
     <p:extLst>
       <p:ext uri="{BB962C8B-B14F-4D97-AF65-F5344CB8AC3E}">
-        <p14:creationId xmlns:p14="http://schemas.microsoft.com/office/powerpoint/2010/main" val="3005444754"/>
+        <p14:creationId xmlns:p14="http://schemas.microsoft.com/office/powerpoint/2010/main" val="234629299"/>
       </p:ext>
     </p:extLst>
   </p:cSld>
@@ -853,74 +816,154 @@
           <a:bodyPr/>
           <a:lstStyle/>
           <a:p>
-            <a:pPr marL="0" marR="0" lvl="0" indent="0" algn="l" defTabSz="914400" rtl="0" eaLnBrk="1" fontAlgn="auto" latinLnBrk="0" hangingPunct="1">
-              <a:lnSpc>
-                <a:spcPct val="100000"/>
-              </a:lnSpc>
-              <a:spcBef>
-                <a:spcPts val="0"/>
-              </a:spcBef>
-              <a:spcAft>
-                <a:spcPts val="0"/>
-              </a:spcAft>
-              <a:buClrTx/>
-              <a:buSzTx/>
-              <a:buFontTx/>
-              <a:buNone/>
-              <a:tabLst/>
-              <a:defRPr/>
-            </a:pPr>
-            <a:r>
-              <a:rPr lang="zh-CN" altLang="en-US" dirty="0" smtClean="0"/>
-              <a:t>本文就数据挖掘技术在运营商网络管理和分析中的可行性应用展开探索性讨论，从运营商现状出发，结合实际情况以及运维中的痛点进行分析，提出建设大数据系统应用数据挖掘技术解决运维难题是未来的趋势这一观点，并由此利用建设大数据系统的方法尝试解决运营商面临的海量数据的采集及处理问题， 同时还在大数据系统的基础上运用数据挖掘技术解决运维难题进行了初步的尝试</a:t>
-            </a:r>
-            <a:endParaRPr lang="en-US" altLang="zh-CN" dirty="0" smtClean="0"/>
-          </a:p>
-          <a:p>
-            <a:pPr marL="0" marR="0" lvl="0" indent="0" algn="l" defTabSz="914400" rtl="0" eaLnBrk="1" fontAlgn="auto" latinLnBrk="0" hangingPunct="1">
-              <a:lnSpc>
-                <a:spcPct val="100000"/>
-              </a:lnSpc>
-              <a:spcBef>
-                <a:spcPts val="0"/>
-              </a:spcBef>
-              <a:spcAft>
-                <a:spcPts val="0"/>
-              </a:spcAft>
-              <a:buClrTx/>
-              <a:buSzTx/>
-              <a:buFontTx/>
-              <a:buNone/>
-              <a:tabLst/>
-              <a:defRPr/>
-            </a:pPr>
-            <a:endParaRPr lang="en-US" altLang="zh-CN" dirty="0" smtClean="0"/>
-          </a:p>
-          <a:p>
-            <a:pPr marL="0" marR="0" lvl="0" indent="0" algn="l" defTabSz="914400" rtl="0" eaLnBrk="1" fontAlgn="auto" latinLnBrk="0" hangingPunct="1">
-              <a:lnSpc>
-                <a:spcPct val="100000"/>
-              </a:lnSpc>
-              <a:spcBef>
-                <a:spcPts val="0"/>
-              </a:spcBef>
-              <a:spcAft>
-                <a:spcPts val="0"/>
-              </a:spcAft>
-              <a:buClrTx/>
-              <a:buSzTx/>
-              <a:buFontTx/>
-              <a:buNone/>
-              <a:tabLst/>
-              <a:defRPr/>
-            </a:pPr>
-            <a:r>
-              <a:rPr lang="zh-CN" altLang="en-US" dirty="0" smtClean="0"/>
-              <a:t>具体来说分为以上三个部分</a:t>
-            </a:r>
-          </a:p>
-          <a:p>
-            <a:endParaRPr lang="zh-CN" altLang="en-US" dirty="0"/>
+            <a:r>
+              <a:rPr lang="zh-CN" altLang="zh-CN" sz="1200" kern="1200" dirty="0" smtClean="0">
+                <a:solidFill>
+                  <a:schemeClr val="tx1"/>
+                </a:solidFill>
+                <a:effectLst/>
+                <a:latin typeface="+mn-lt"/>
+                <a:ea typeface="+mn-ea"/>
+                <a:cs typeface="+mn-cs"/>
+              </a:rPr>
+              <a:t>其网络管理中心负责主要业务包含无线及有线总共十二类业务，支撑十二类业务的背后包含十三类网络、四大类设备。如此众多的业务伴随而来的是海量的数据：日志、参数、拓扑等等。</a:t>
+            </a:r>
+            <a:endParaRPr lang="en-US" altLang="zh-CN" sz="1200" kern="1200" dirty="0" smtClean="0">
+              <a:solidFill>
+                <a:schemeClr val="tx1"/>
+              </a:solidFill>
+              <a:effectLst/>
+              <a:latin typeface="+mn-lt"/>
+              <a:ea typeface="+mn-ea"/>
+              <a:cs typeface="+mn-cs"/>
+            </a:endParaRPr>
+          </a:p>
+          <a:p>
+            <a:endParaRPr lang="en-US" altLang="zh-CN" sz="1200" kern="1200" dirty="0" smtClean="0">
+              <a:solidFill>
+                <a:schemeClr val="tx1"/>
+              </a:solidFill>
+              <a:effectLst/>
+              <a:latin typeface="+mn-lt"/>
+              <a:ea typeface="+mn-ea"/>
+              <a:cs typeface="+mn-cs"/>
+            </a:endParaRPr>
+          </a:p>
+          <a:p>
+            <a:r>
+              <a:rPr lang="zh-CN" altLang="zh-CN" sz="1200" kern="1200" dirty="0" smtClean="0">
+                <a:solidFill>
+                  <a:schemeClr val="tx1"/>
+                </a:solidFill>
+                <a:effectLst/>
+                <a:latin typeface="+mn-lt"/>
+                <a:ea typeface="+mn-ea"/>
+                <a:cs typeface="+mn-cs"/>
+              </a:rPr>
+              <a:t>现在是一个数据化的时代，也是一个移动化的时代。著名分析公司</a:t>
+            </a:r>
+            <a:r>
+              <a:rPr lang="en-US" altLang="zh-CN" sz="1200" kern="1200" dirty="0" smtClean="0">
+                <a:solidFill>
+                  <a:schemeClr val="tx1"/>
+                </a:solidFill>
+                <a:effectLst/>
+                <a:latin typeface="+mn-lt"/>
+                <a:ea typeface="+mn-ea"/>
+                <a:cs typeface="+mn-cs"/>
+              </a:rPr>
+              <a:t> Gartner </a:t>
+            </a:r>
+            <a:r>
+              <a:rPr lang="zh-CN" altLang="zh-CN" sz="1200" kern="1200" dirty="0" smtClean="0">
+                <a:solidFill>
+                  <a:schemeClr val="tx1"/>
+                </a:solidFill>
+                <a:effectLst/>
+                <a:latin typeface="+mn-lt"/>
+                <a:ea typeface="+mn-ea"/>
+                <a:cs typeface="+mn-cs"/>
+              </a:rPr>
+              <a:t>在报告中指出未来的公司都将是数据公司</a:t>
+            </a:r>
+            <a:r>
+              <a:rPr lang="zh-CN" altLang="en-US" sz="1200" kern="1200" dirty="0" smtClean="0">
+                <a:solidFill>
+                  <a:schemeClr val="tx1"/>
+                </a:solidFill>
+                <a:effectLst/>
+                <a:latin typeface="+mn-lt"/>
+                <a:ea typeface="+mn-ea"/>
+                <a:cs typeface="+mn-cs"/>
+              </a:rPr>
+              <a:t>。</a:t>
+            </a:r>
+            <a:endParaRPr lang="en-US" altLang="zh-CN" sz="1200" kern="1200" dirty="0" smtClean="0">
+              <a:solidFill>
+                <a:schemeClr val="tx1"/>
+              </a:solidFill>
+              <a:effectLst/>
+              <a:latin typeface="+mn-lt"/>
+              <a:ea typeface="+mn-ea"/>
+              <a:cs typeface="+mn-cs"/>
+            </a:endParaRPr>
+          </a:p>
+          <a:p>
+            <a:endParaRPr lang="en-US" altLang="zh-CN" sz="1200" kern="1200" dirty="0" smtClean="0">
+              <a:solidFill>
+                <a:schemeClr val="tx1"/>
+              </a:solidFill>
+              <a:effectLst/>
+              <a:latin typeface="+mn-lt"/>
+              <a:ea typeface="+mn-ea"/>
+              <a:cs typeface="+mn-cs"/>
+            </a:endParaRPr>
+          </a:p>
+          <a:p>
+            <a:r>
+              <a:rPr lang="zh-CN" altLang="en-US" sz="1200" kern="1200" dirty="0" smtClean="0">
+                <a:solidFill>
+                  <a:schemeClr val="tx1"/>
+                </a:solidFill>
+                <a:effectLst/>
+                <a:latin typeface="+mn-lt"/>
+                <a:ea typeface="+mn-ea"/>
+                <a:cs typeface="+mn-cs"/>
+              </a:rPr>
+              <a:t>但是对于运营商来说，面对巨量的数据，传统的管理手段必然不可行，因此需要将大数据及数据挖掘技术引入到网络管理维护工作中来，大数据建设是数据挖掘的基础</a:t>
+            </a:r>
+            <a:endParaRPr lang="en-US" altLang="zh-CN" sz="1200" kern="1200" dirty="0" smtClean="0">
+              <a:solidFill>
+                <a:schemeClr val="tx1"/>
+              </a:solidFill>
+              <a:effectLst/>
+              <a:latin typeface="+mn-lt"/>
+              <a:ea typeface="+mn-ea"/>
+              <a:cs typeface="+mn-cs"/>
+            </a:endParaRPr>
+          </a:p>
+          <a:p>
+            <a:r>
+              <a:rPr lang="zh-CN" altLang="zh-CN" sz="1200" kern="1200" dirty="0" smtClean="0">
+                <a:solidFill>
+                  <a:schemeClr val="tx1"/>
+                </a:solidFill>
+                <a:effectLst/>
+                <a:latin typeface="+mn-lt"/>
+                <a:ea typeface="+mn-ea"/>
+                <a:cs typeface="+mn-cs"/>
+              </a:rPr>
+              <a:t>大数据意味着对数据的获取、存储、分析、呈现等方式都提出了新的挑战，</a:t>
+            </a:r>
+            <a:endParaRPr lang="en-US" altLang="zh-CN" sz="1200" kern="1200" dirty="0" smtClean="0">
+              <a:solidFill>
+                <a:schemeClr val="tx1"/>
+              </a:solidFill>
+              <a:effectLst/>
+              <a:latin typeface="+mn-lt"/>
+              <a:ea typeface="+mn-ea"/>
+              <a:cs typeface="+mn-cs"/>
+            </a:endParaRPr>
           </a:p>
         </p:txBody>
       </p:sp>
@@ -941,7 +984,7 @@
           <a:p>
             <a:fld id="{211EDE8F-5748-564A-B104-45C8D6344219}" type="slidenum">
               <a:rPr kumimoji="1" lang="zh-CN" altLang="en-US" smtClean="0"/>
-              <a:t>10</a:t>
+              <a:t>5</a:t>
             </a:fld>
             <a:endParaRPr kumimoji="1" lang="zh-CN" altLang="en-US"/>
           </a:p>
@@ -950,7 +993,7 @@
     </p:spTree>
     <p:extLst>
       <p:ext uri="{BB962C8B-B14F-4D97-AF65-F5344CB8AC3E}">
-        <p14:creationId xmlns:p14="http://schemas.microsoft.com/office/powerpoint/2010/main" val="32443728"/>
+        <p14:creationId xmlns:p14="http://schemas.microsoft.com/office/powerpoint/2010/main" val="3005444754"/>
       </p:ext>
     </p:extLst>
   </p:cSld>
@@ -1022,62 +1065,53 @@
               <a:defRPr/>
             </a:pPr>
             <a:r>
-              <a:rPr lang="en-US" altLang="zh-CN" dirty="0" smtClean="0"/>
-              <a:t>Flume </a:t>
-            </a:r>
-            <a:r>
-              <a:rPr lang="zh-CN" altLang="zh-CN" dirty="0" smtClean="0"/>
-              <a:t>的设计是由一个一个的代理（</a:t>
-            </a:r>
-            <a:r>
-              <a:rPr lang="en-US" altLang="zh-CN" dirty="0" smtClean="0"/>
-              <a:t>agent</a:t>
-            </a:r>
-            <a:r>
-              <a:rPr lang="zh-CN" altLang="zh-CN" dirty="0" smtClean="0"/>
-              <a:t>）组成的代理网络作为管道，管道两端分别是数据源和目的地。每一个</a:t>
-            </a:r>
-            <a:r>
-              <a:rPr lang="en-US" altLang="zh-CN" dirty="0" smtClean="0"/>
-              <a:t> agent </a:t>
-            </a:r>
-            <a:r>
-              <a:rPr lang="zh-CN" altLang="zh-CN" dirty="0" smtClean="0"/>
-              <a:t>由采集器（</a:t>
-            </a:r>
-            <a:r>
-              <a:rPr lang="en-US" altLang="zh-CN" dirty="0" smtClean="0"/>
-              <a:t>Source</a:t>
-            </a:r>
-            <a:r>
-              <a:rPr lang="zh-CN" altLang="zh-CN" dirty="0" smtClean="0"/>
-              <a:t>）、传输通道（</a:t>
-            </a:r>
-            <a:r>
-              <a:rPr lang="en-US" altLang="zh-CN" dirty="0" smtClean="0"/>
-              <a:t>Channel</a:t>
-            </a:r>
-            <a:r>
-              <a:rPr lang="zh-CN" altLang="zh-CN" dirty="0" smtClean="0"/>
-              <a:t>）、及注入器（</a:t>
-            </a:r>
-            <a:r>
-              <a:rPr lang="en-US" altLang="zh-CN" dirty="0" smtClean="0"/>
-              <a:t>Sink</a:t>
-            </a:r>
-            <a:r>
-              <a:rPr lang="zh-CN" altLang="zh-CN" dirty="0" smtClean="0"/>
-              <a:t>）组成。采集器负责接收输入数据并将数据送入传输通道；传输通道主要作用是对数据进行缓存，在传输给注入器之前对数据进行缓存，缓存方式可以根据配置文件配置成内存、文件、</a:t>
-            </a:r>
-            <a:r>
-              <a:rPr lang="en-US" altLang="zh-CN" dirty="0" smtClean="0"/>
-              <a:t>JDBC </a:t>
-            </a:r>
-            <a:r>
-              <a:rPr lang="zh-CN" altLang="zh-CN" dirty="0" smtClean="0"/>
-              <a:t>等；注入器的作用是将数据从传输通道钟读取出来，随后发送给下一个代理或最终目的地（存储空间）。</a:t>
-            </a:r>
-            <a:endParaRPr lang="zh-CN" altLang="en-US" dirty="0" smtClean="0"/>
+              <a:rPr lang="zh-CN" altLang="en-US" dirty="0" smtClean="0"/>
+              <a:t>本文就数据挖掘技术在运营商网络管理和分析中的可行性应用展开探索性讨论，从运营商现状出发，结合实际情况以及运维中的痛点进行分析，提出建设大数据系统应用数据挖掘技术解决运维难题是未来的趋势这一观点，并由此利用建设大数据系统的方法尝试解决运营商面临的海量数据的采集及处理问题， 同时还在大数据系统的基础上运用数据挖掘技术解决运维难题进行了初步的尝试</a:t>
+            </a:r>
+            <a:endParaRPr lang="en-US" altLang="zh-CN" dirty="0" smtClean="0"/>
+          </a:p>
+          <a:p>
+            <a:pPr marL="0" marR="0" lvl="0" indent="0" algn="l" defTabSz="914400" rtl="0" eaLnBrk="1" fontAlgn="auto" latinLnBrk="0" hangingPunct="1">
+              <a:lnSpc>
+                <a:spcPct val="100000"/>
+              </a:lnSpc>
+              <a:spcBef>
+                <a:spcPts val="0"/>
+              </a:spcBef>
+              <a:spcAft>
+                <a:spcPts val="0"/>
+              </a:spcAft>
+              <a:buClrTx/>
+              <a:buSzTx/>
+              <a:buFontTx/>
+              <a:buNone/>
+              <a:tabLst/>
+              <a:defRPr/>
+            </a:pPr>
+            <a:endParaRPr lang="en-US" altLang="zh-CN" dirty="0" smtClean="0"/>
+          </a:p>
+          <a:p>
+            <a:pPr marL="0" marR="0" lvl="0" indent="0" algn="l" defTabSz="914400" rtl="0" eaLnBrk="1" fontAlgn="auto" latinLnBrk="0" hangingPunct="1">
+              <a:lnSpc>
+                <a:spcPct val="100000"/>
+              </a:lnSpc>
+              <a:spcBef>
+                <a:spcPts val="0"/>
+              </a:spcBef>
+              <a:spcAft>
+                <a:spcPts val="0"/>
+              </a:spcAft>
+              <a:buClrTx/>
+              <a:buSzTx/>
+              <a:buFontTx/>
+              <a:buNone/>
+              <a:tabLst/>
+              <a:defRPr/>
+            </a:pPr>
+            <a:r>
+              <a:rPr lang="zh-CN" altLang="en-US" dirty="0" smtClean="0"/>
+              <a:t>具体来说分为以上三个部分</a:t>
+            </a:r>
           </a:p>
           <a:p>
             <a:endParaRPr lang="zh-CN" altLang="en-US" dirty="0"/>
@@ -1101,7 +1135,7 @@
           <a:p>
             <a:fld id="{211EDE8F-5748-564A-B104-45C8D6344219}" type="slidenum">
               <a:rPr kumimoji="1" lang="zh-CN" altLang="en-US" smtClean="0"/>
-              <a:t>12</a:t>
+              <a:t>10</a:t>
             </a:fld>
             <a:endParaRPr kumimoji="1" lang="zh-CN" altLang="en-US"/>
           </a:p>
@@ -1110,7 +1144,7 @@
     </p:spTree>
     <p:extLst>
       <p:ext uri="{BB962C8B-B14F-4D97-AF65-F5344CB8AC3E}">
-        <p14:creationId xmlns:p14="http://schemas.microsoft.com/office/powerpoint/2010/main" val="1256846348"/>
+        <p14:creationId xmlns:p14="http://schemas.microsoft.com/office/powerpoint/2010/main" val="32443728"/>
       </p:ext>
     </p:extLst>
   </p:cSld>
@@ -1182,197 +1216,64 @@
               <a:defRPr/>
             </a:pPr>
             <a:r>
-              <a:rPr lang="zh-CN" altLang="zh-CN" sz="1200" kern="1200" dirty="0" smtClean="0">
-                <a:solidFill>
-                  <a:schemeClr val="tx1"/>
-                </a:solidFill>
-                <a:effectLst/>
-                <a:latin typeface="+mn-lt"/>
-                <a:ea typeface="+mn-ea"/>
-                <a:cs typeface="+mn-cs"/>
-              </a:rPr>
-              <a:t>其中</a:t>
-            </a:r>
-            <a:r>
-              <a:rPr lang="en-US" altLang="zh-CN" sz="1200" kern="1200" dirty="0" smtClean="0">
-                <a:solidFill>
-                  <a:schemeClr val="tx1"/>
-                </a:solidFill>
-                <a:effectLst/>
-                <a:latin typeface="+mn-lt"/>
-                <a:ea typeface="+mn-ea"/>
-                <a:cs typeface="+mn-cs"/>
-              </a:rPr>
-              <a:t> Master </a:t>
-            </a:r>
-            <a:r>
-              <a:rPr lang="zh-CN" altLang="zh-CN" sz="1200" kern="1200" dirty="0" smtClean="0">
-                <a:solidFill>
-                  <a:schemeClr val="tx1"/>
-                </a:solidFill>
-                <a:effectLst/>
-                <a:latin typeface="+mn-lt"/>
-                <a:ea typeface="+mn-ea"/>
-                <a:cs typeface="+mn-cs"/>
-              </a:rPr>
-              <a:t>和</a:t>
-            </a:r>
-            <a:r>
-              <a:rPr lang="en-US" altLang="zh-CN" sz="1200" kern="1200" dirty="0" smtClean="0">
-                <a:solidFill>
-                  <a:schemeClr val="tx1"/>
-                </a:solidFill>
-                <a:effectLst/>
-                <a:latin typeface="+mn-lt"/>
-                <a:ea typeface="+mn-ea"/>
-                <a:cs typeface="+mn-cs"/>
-              </a:rPr>
-              <a:t> segment </a:t>
-            </a:r>
-            <a:r>
-              <a:rPr lang="zh-CN" altLang="zh-CN" sz="1200" kern="1200" dirty="0" smtClean="0">
-                <a:solidFill>
-                  <a:schemeClr val="tx1"/>
-                </a:solidFill>
-                <a:effectLst/>
-                <a:latin typeface="+mn-lt"/>
-                <a:ea typeface="+mn-ea"/>
-                <a:cs typeface="+mn-cs"/>
-              </a:rPr>
-              <a:t>本身就是独立的数据库服务器。不同之处在于，</a:t>
-            </a:r>
-            <a:r>
-              <a:rPr lang="en-US" altLang="zh-CN" sz="1200" kern="1200" dirty="0" smtClean="0">
-                <a:solidFill>
-                  <a:schemeClr val="tx1"/>
-                </a:solidFill>
-                <a:effectLst/>
-                <a:latin typeface="+mn-lt"/>
-                <a:ea typeface="+mn-ea"/>
-                <a:cs typeface="+mn-cs"/>
-              </a:rPr>
-              <a:t>Master </a:t>
-            </a:r>
-            <a:r>
-              <a:rPr lang="zh-CN" altLang="zh-CN" sz="1200" kern="1200" dirty="0" smtClean="0">
-                <a:solidFill>
-                  <a:schemeClr val="tx1"/>
-                </a:solidFill>
-                <a:effectLst/>
-                <a:latin typeface="+mn-lt"/>
-                <a:ea typeface="+mn-ea"/>
-                <a:cs typeface="+mn-cs"/>
-              </a:rPr>
-              <a:t>只负责应用的连接，生成查询计划并将计划拆分，然后下发给</a:t>
-            </a:r>
-            <a:r>
-              <a:rPr lang="en-US" altLang="zh-CN" sz="1200" kern="1200" dirty="0" smtClean="0">
-                <a:solidFill>
-                  <a:schemeClr val="tx1"/>
-                </a:solidFill>
-                <a:effectLst/>
-                <a:latin typeface="+mn-lt"/>
-                <a:ea typeface="+mn-ea"/>
-                <a:cs typeface="+mn-cs"/>
-              </a:rPr>
-              <a:t> segment </a:t>
-            </a:r>
-            <a:r>
-              <a:rPr lang="zh-CN" altLang="zh-CN" sz="1200" kern="1200" dirty="0" smtClean="0">
-                <a:solidFill>
-                  <a:schemeClr val="tx1"/>
-                </a:solidFill>
-                <a:effectLst/>
-                <a:latin typeface="+mn-lt"/>
-                <a:ea typeface="+mn-ea"/>
-                <a:cs typeface="+mn-cs"/>
-              </a:rPr>
-              <a:t>节点，</a:t>
-            </a:r>
-            <a:r>
-              <a:rPr lang="en-US" altLang="zh-CN" sz="1200" kern="1200" dirty="0" smtClean="0">
-                <a:solidFill>
-                  <a:schemeClr val="tx1"/>
-                </a:solidFill>
-                <a:effectLst/>
-                <a:latin typeface="+mn-lt"/>
-                <a:ea typeface="+mn-ea"/>
-                <a:cs typeface="+mn-cs"/>
-              </a:rPr>
-              <a:t>Segment </a:t>
-            </a:r>
-            <a:r>
-              <a:rPr lang="zh-CN" altLang="zh-CN" sz="1200" kern="1200" dirty="0" smtClean="0">
-                <a:solidFill>
-                  <a:schemeClr val="tx1"/>
-                </a:solidFill>
-                <a:effectLst/>
-                <a:latin typeface="+mn-lt"/>
-                <a:ea typeface="+mn-ea"/>
-                <a:cs typeface="+mn-cs"/>
-              </a:rPr>
-              <a:t>节点查询后的结果返回给</a:t>
-            </a:r>
-            <a:r>
-              <a:rPr lang="en-US" altLang="zh-CN" sz="1200" kern="1200" dirty="0" smtClean="0">
-                <a:solidFill>
-                  <a:schemeClr val="tx1"/>
-                </a:solidFill>
-                <a:effectLst/>
-                <a:latin typeface="+mn-lt"/>
-                <a:ea typeface="+mn-ea"/>
-                <a:cs typeface="+mn-cs"/>
-              </a:rPr>
-              <a:t> Master </a:t>
-            </a:r>
-            <a:r>
-              <a:rPr lang="zh-CN" altLang="zh-CN" sz="1200" kern="1200" dirty="0" smtClean="0">
-                <a:solidFill>
-                  <a:schemeClr val="tx1"/>
-                </a:solidFill>
-                <a:effectLst/>
-                <a:latin typeface="+mn-lt"/>
-                <a:ea typeface="+mn-ea"/>
-                <a:cs typeface="+mn-cs"/>
-              </a:rPr>
-              <a:t>节点，</a:t>
-            </a:r>
-            <a:r>
-              <a:rPr lang="en-US" altLang="zh-CN" sz="1200" kern="1200" dirty="0" smtClean="0">
-                <a:solidFill>
-                  <a:schemeClr val="tx1"/>
-                </a:solidFill>
-                <a:effectLst/>
-                <a:latin typeface="+mn-lt"/>
-                <a:ea typeface="+mn-ea"/>
-                <a:cs typeface="+mn-cs"/>
-              </a:rPr>
-              <a:t>Master </a:t>
-            </a:r>
-            <a:r>
-              <a:rPr lang="zh-CN" altLang="zh-CN" sz="1200" kern="1200" dirty="0" smtClean="0">
-                <a:solidFill>
-                  <a:schemeClr val="tx1"/>
-                </a:solidFill>
-                <a:effectLst/>
-                <a:latin typeface="+mn-lt"/>
-                <a:ea typeface="+mn-ea"/>
-                <a:cs typeface="+mn-cs"/>
-              </a:rPr>
-              <a:t>节点对返回的查询结果进行汇总，然后返回最终结果给应用，而它本身它只存储一些数据，并不负责运算</a:t>
-            </a:r>
-            <a:r>
-              <a:rPr lang="zh-CN" altLang="en-US" sz="1200" kern="1200" dirty="0" smtClean="0">
-                <a:solidFill>
-                  <a:schemeClr val="tx1"/>
-                </a:solidFill>
-                <a:effectLst/>
-                <a:latin typeface="+mn-lt"/>
-                <a:ea typeface="+mn-ea"/>
-                <a:cs typeface="+mn-cs"/>
-              </a:rPr>
-              <a:t>。</a:t>
-            </a:r>
+              <a:rPr lang="en-US" altLang="zh-CN" dirty="0" smtClean="0"/>
+              <a:t>Flume </a:t>
+            </a:r>
+            <a:r>
+              <a:rPr lang="zh-CN" altLang="zh-CN" dirty="0" smtClean="0"/>
+              <a:t>的设计是由一个一个的代理（</a:t>
+            </a:r>
+            <a:r>
+              <a:rPr lang="en-US" altLang="zh-CN" dirty="0" smtClean="0"/>
+              <a:t>agent</a:t>
+            </a:r>
+            <a:r>
+              <a:rPr lang="zh-CN" altLang="zh-CN" dirty="0" smtClean="0"/>
+              <a:t>）组成的代理网络作为管道，管道两端分别是数据源和目的地。每一个</a:t>
+            </a:r>
+            <a:r>
+              <a:rPr lang="en-US" altLang="zh-CN" dirty="0" smtClean="0"/>
+              <a:t> agent </a:t>
+            </a:r>
+            <a:r>
+              <a:rPr lang="zh-CN" altLang="zh-CN" dirty="0" smtClean="0"/>
+              <a:t>由采集器（</a:t>
+            </a:r>
+            <a:r>
+              <a:rPr lang="en-US" altLang="zh-CN" dirty="0" smtClean="0"/>
+              <a:t>Source</a:t>
+            </a:r>
+            <a:r>
+              <a:rPr lang="zh-CN" altLang="zh-CN" dirty="0" smtClean="0"/>
+              <a:t>）、传输通道（</a:t>
+            </a:r>
+            <a:r>
+              <a:rPr lang="en-US" altLang="zh-CN" dirty="0" smtClean="0"/>
+              <a:t>Channel</a:t>
+            </a:r>
+            <a:r>
+              <a:rPr lang="zh-CN" altLang="zh-CN" dirty="0" smtClean="0"/>
+              <a:t>）、及注入器（</a:t>
+            </a:r>
+            <a:r>
+              <a:rPr lang="en-US" altLang="zh-CN" dirty="0" smtClean="0"/>
+              <a:t>Sink</a:t>
+            </a:r>
+            <a:r>
+              <a:rPr lang="zh-CN" altLang="zh-CN" dirty="0" smtClean="0"/>
+              <a:t>）组成。采集器负责接收输入数据并将数据送入传输通道；传输通道主要作用是对数据进行缓存，在传输给注入器之前对数据进行缓存，缓存方式可以根据配置文件配置成内存、文件、</a:t>
+            </a:r>
+            <a:r>
+              <a:rPr lang="en-US" altLang="zh-CN" dirty="0" smtClean="0"/>
+              <a:t>JDBC </a:t>
+            </a:r>
+            <a:r>
+              <a:rPr lang="zh-CN" altLang="zh-CN" dirty="0" smtClean="0"/>
+              <a:t>等；注入器的作用是将数据从传输通道钟读取出来，随后发送给下一个代理或最终目的地（存储空间）。</a:t>
+            </a:r>
+            <a:endParaRPr lang="zh-CN" altLang="en-US" dirty="0" smtClean="0"/>
+          </a:p>
+          <a:p>
             <a:endParaRPr lang="zh-CN" altLang="en-US" dirty="0"/>
           </a:p>
         </p:txBody>
@@ -1394,7 +1295,7 @@
           <a:p>
             <a:fld id="{211EDE8F-5748-564A-B104-45C8D6344219}" type="slidenum">
               <a:rPr kumimoji="1" lang="zh-CN" altLang="en-US" smtClean="0"/>
-              <a:t>13</a:t>
+              <a:t>12</a:t>
             </a:fld>
             <a:endParaRPr kumimoji="1" lang="zh-CN" altLang="en-US"/>
           </a:p>
@@ -1403,7 +1304,7 @@
     </p:spTree>
     <p:extLst>
       <p:ext uri="{BB962C8B-B14F-4D97-AF65-F5344CB8AC3E}">
-        <p14:creationId xmlns:p14="http://schemas.microsoft.com/office/powerpoint/2010/main" val="1965109165"/>
+        <p14:creationId xmlns:p14="http://schemas.microsoft.com/office/powerpoint/2010/main" val="1256846348"/>
       </p:ext>
     </p:extLst>
   </p:cSld>
@@ -1457,6 +1358,23 @@
           <a:bodyPr/>
           <a:lstStyle/>
           <a:p>
+            <a:pPr marL="0" marR="0" lvl="0" indent="0" algn="l" defTabSz="914400" rtl="0" eaLnBrk="1" fontAlgn="auto" latinLnBrk="0" hangingPunct="1">
+              <a:lnSpc>
+                <a:spcPct val="100000"/>
+              </a:lnSpc>
+              <a:spcBef>
+                <a:spcPts val="0"/>
+              </a:spcBef>
+              <a:spcAft>
+                <a:spcPts val="0"/>
+              </a:spcAft>
+              <a:buClrTx/>
+              <a:buSzTx/>
+              <a:buFontTx/>
+              <a:buNone/>
+              <a:tabLst/>
+              <a:defRPr/>
+            </a:pPr>
             <a:r>
               <a:rPr lang="zh-CN" altLang="zh-CN" sz="1200" kern="1200" dirty="0" smtClean="0">
                 <a:solidFill>
@@ -1467,7 +1385,7 @@
                 <a:ea typeface="+mn-ea"/>
                 <a:cs typeface="+mn-cs"/>
               </a:rPr>
-              <a:t>该工具还提出了极具实用价值的业务数据包概念，借助业务数据包我们可以轻松实现按照业务对数据进行分类、管理和权限配置。业务数据包是</a:t>
+              <a:t>其中</a:t>
             </a:r>
             <a:r>
               <a:rPr lang="en-US" altLang="zh-CN" sz="1200" kern="1200" dirty="0" smtClean="0">
@@ -1479,10 +1397,10 @@
                 <a:ea typeface="+mn-ea"/>
                 <a:cs typeface="+mn-cs"/>
               </a:rPr>
-              <a:t> </a:t>
-            </a:r>
-            <a:r>
-              <a:rPr lang="en-US" altLang="zh-CN" sz="1200" kern="1200" dirty="0" err="1" smtClean="0">
+              <a:t> Master </a:t>
+            </a:r>
+            <a:r>
+              <a:rPr lang="zh-CN" altLang="zh-CN" sz="1200" kern="1200" dirty="0" smtClean="0">
                 <a:solidFill>
                   <a:schemeClr val="tx1"/>
                 </a:solidFill>
@@ -1491,7 +1409,7 @@
                 <a:ea typeface="+mn-ea"/>
                 <a:cs typeface="+mn-cs"/>
               </a:rPr>
-              <a:t>FineBI</a:t>
+              <a:t>和</a:t>
             </a:r>
             <a:r>
               <a:rPr lang="en-US" altLang="zh-CN" sz="1200" kern="1200" dirty="0" smtClean="0">
@@ -1503,7 +1421,7 @@
                 <a:ea typeface="+mn-ea"/>
                 <a:cs typeface="+mn-cs"/>
               </a:rPr>
-              <a:t> </a:t>
+              <a:t> segment </a:t>
             </a:r>
             <a:r>
               <a:rPr lang="zh-CN" altLang="zh-CN" sz="1200" kern="1200" dirty="0" smtClean="0">
@@ -1515,17 +1433,141 @@
                 <a:ea typeface="+mn-ea"/>
                 <a:cs typeface="+mn-cs"/>
               </a:rPr>
-              <a:t>多维数据库在前端的映射，通过业务包的创建和设置，使得多维数据库和业务分析需求的衔接更加紧密自然。</a:t>
-            </a:r>
-            <a:endParaRPr lang="zh-CN" altLang="zh-CN" sz="1200" kern="1200" dirty="0">
-              <a:solidFill>
-                <a:schemeClr val="tx1"/>
-              </a:solidFill>
-              <a:effectLst/>
-              <a:latin typeface="+mn-lt"/>
-              <a:ea typeface="+mn-ea"/>
-              <a:cs typeface="+mn-cs"/>
-            </a:endParaRPr>
+              <a:t>本身就是独立的数据库服务器。不同之处在于，</a:t>
+            </a:r>
+            <a:r>
+              <a:rPr lang="en-US" altLang="zh-CN" sz="1200" kern="1200" dirty="0" smtClean="0">
+                <a:solidFill>
+                  <a:schemeClr val="tx1"/>
+                </a:solidFill>
+                <a:effectLst/>
+                <a:latin typeface="+mn-lt"/>
+                <a:ea typeface="+mn-ea"/>
+                <a:cs typeface="+mn-cs"/>
+              </a:rPr>
+              <a:t>Master </a:t>
+            </a:r>
+            <a:r>
+              <a:rPr lang="zh-CN" altLang="zh-CN" sz="1200" kern="1200" dirty="0" smtClean="0">
+                <a:solidFill>
+                  <a:schemeClr val="tx1"/>
+                </a:solidFill>
+                <a:effectLst/>
+                <a:latin typeface="+mn-lt"/>
+                <a:ea typeface="+mn-ea"/>
+                <a:cs typeface="+mn-cs"/>
+              </a:rPr>
+              <a:t>只负责应用的连接，生成查询计划并将计划拆分，然后下发给</a:t>
+            </a:r>
+            <a:r>
+              <a:rPr lang="en-US" altLang="zh-CN" sz="1200" kern="1200" dirty="0" smtClean="0">
+                <a:solidFill>
+                  <a:schemeClr val="tx1"/>
+                </a:solidFill>
+                <a:effectLst/>
+                <a:latin typeface="+mn-lt"/>
+                <a:ea typeface="+mn-ea"/>
+                <a:cs typeface="+mn-cs"/>
+              </a:rPr>
+              <a:t> segment </a:t>
+            </a:r>
+            <a:r>
+              <a:rPr lang="zh-CN" altLang="zh-CN" sz="1200" kern="1200" dirty="0" smtClean="0">
+                <a:solidFill>
+                  <a:schemeClr val="tx1"/>
+                </a:solidFill>
+                <a:effectLst/>
+                <a:latin typeface="+mn-lt"/>
+                <a:ea typeface="+mn-ea"/>
+                <a:cs typeface="+mn-cs"/>
+              </a:rPr>
+              <a:t>节点，</a:t>
+            </a:r>
+            <a:r>
+              <a:rPr lang="en-US" altLang="zh-CN" sz="1200" kern="1200" dirty="0" smtClean="0">
+                <a:solidFill>
+                  <a:schemeClr val="tx1"/>
+                </a:solidFill>
+                <a:effectLst/>
+                <a:latin typeface="+mn-lt"/>
+                <a:ea typeface="+mn-ea"/>
+                <a:cs typeface="+mn-cs"/>
+              </a:rPr>
+              <a:t>Segment </a:t>
+            </a:r>
+            <a:r>
+              <a:rPr lang="zh-CN" altLang="zh-CN" sz="1200" kern="1200" dirty="0" smtClean="0">
+                <a:solidFill>
+                  <a:schemeClr val="tx1"/>
+                </a:solidFill>
+                <a:effectLst/>
+                <a:latin typeface="+mn-lt"/>
+                <a:ea typeface="+mn-ea"/>
+                <a:cs typeface="+mn-cs"/>
+              </a:rPr>
+              <a:t>节点查询后的结果返回给</a:t>
+            </a:r>
+            <a:r>
+              <a:rPr lang="en-US" altLang="zh-CN" sz="1200" kern="1200" dirty="0" smtClean="0">
+                <a:solidFill>
+                  <a:schemeClr val="tx1"/>
+                </a:solidFill>
+                <a:effectLst/>
+                <a:latin typeface="+mn-lt"/>
+                <a:ea typeface="+mn-ea"/>
+                <a:cs typeface="+mn-cs"/>
+              </a:rPr>
+              <a:t> Master </a:t>
+            </a:r>
+            <a:r>
+              <a:rPr lang="zh-CN" altLang="zh-CN" sz="1200" kern="1200" dirty="0" smtClean="0">
+                <a:solidFill>
+                  <a:schemeClr val="tx1"/>
+                </a:solidFill>
+                <a:effectLst/>
+                <a:latin typeface="+mn-lt"/>
+                <a:ea typeface="+mn-ea"/>
+                <a:cs typeface="+mn-cs"/>
+              </a:rPr>
+              <a:t>节点，</a:t>
+            </a:r>
+            <a:r>
+              <a:rPr lang="en-US" altLang="zh-CN" sz="1200" kern="1200" dirty="0" smtClean="0">
+                <a:solidFill>
+                  <a:schemeClr val="tx1"/>
+                </a:solidFill>
+                <a:effectLst/>
+                <a:latin typeface="+mn-lt"/>
+                <a:ea typeface="+mn-ea"/>
+                <a:cs typeface="+mn-cs"/>
+              </a:rPr>
+              <a:t>Master </a:t>
+            </a:r>
+            <a:r>
+              <a:rPr lang="zh-CN" altLang="zh-CN" sz="1200" kern="1200" dirty="0" smtClean="0">
+                <a:solidFill>
+                  <a:schemeClr val="tx1"/>
+                </a:solidFill>
+                <a:effectLst/>
+                <a:latin typeface="+mn-lt"/>
+                <a:ea typeface="+mn-ea"/>
+                <a:cs typeface="+mn-cs"/>
+              </a:rPr>
+              <a:t>节点对返回的查询结果进行汇总，然后返回最终结果给应用，而它本身它只存储一些数据，并不负责运算</a:t>
+            </a:r>
+            <a:r>
+              <a:rPr lang="zh-CN" altLang="en-US" sz="1200" kern="1200" dirty="0" smtClean="0">
+                <a:solidFill>
+                  <a:schemeClr val="tx1"/>
+                </a:solidFill>
+                <a:effectLst/>
+                <a:latin typeface="+mn-lt"/>
+                <a:ea typeface="+mn-ea"/>
+                <a:cs typeface="+mn-cs"/>
+              </a:rPr>
+              <a:t>。</a:t>
+            </a:r>
+            <a:endParaRPr lang="zh-CN" altLang="en-US" dirty="0"/>
           </a:p>
         </p:txBody>
       </p:sp>
@@ -1546,7 +1588,7 @@
           <a:p>
             <a:fld id="{211EDE8F-5748-564A-B104-45C8D6344219}" type="slidenum">
               <a:rPr kumimoji="1" lang="zh-CN" altLang="en-US" smtClean="0"/>
-              <a:t>14</a:t>
+              <a:t>13</a:t>
             </a:fld>
             <a:endParaRPr kumimoji="1" lang="zh-CN" altLang="en-US"/>
           </a:p>
@@ -1555,7 +1597,7 @@
     </p:spTree>
     <p:extLst>
       <p:ext uri="{BB962C8B-B14F-4D97-AF65-F5344CB8AC3E}">
-        <p14:creationId xmlns:p14="http://schemas.microsoft.com/office/powerpoint/2010/main" val="2675073728"/>
+        <p14:creationId xmlns:p14="http://schemas.microsoft.com/office/powerpoint/2010/main" val="1965109165"/>
       </p:ext>
     </p:extLst>
   </p:cSld>
@@ -1619,7 +1661,7 @@
                 <a:ea typeface="+mn-ea"/>
                 <a:cs typeface="+mn-cs"/>
               </a:rPr>
-              <a:t>其中处理层提供</a:t>
+              <a:t>该工具还提出了极具实用价值的业务数据包概念，借助业务数据包我们可以轻松实现按照业务对数据进行分类、管理和权限配置。业务数据包是</a:t>
             </a:r>
             <a:r>
               <a:rPr lang="en-US" altLang="zh-CN" sz="1200" kern="1200" dirty="0" smtClean="0">
@@ -1631,10 +1673,10 @@
                 <a:ea typeface="+mn-ea"/>
                 <a:cs typeface="+mn-cs"/>
               </a:rPr>
-              <a:t> SFTP\ FTP\ TELNET\ SNMP </a:t>
-            </a:r>
-            <a:r>
-              <a:rPr lang="zh-CN" altLang="zh-CN" sz="1200" kern="1200" dirty="0" smtClean="0">
+              <a:t> </a:t>
+            </a:r>
+            <a:r>
+              <a:rPr lang="en-US" altLang="zh-CN" sz="1200" kern="1200" dirty="0" err="1" smtClean="0">
                 <a:solidFill>
                   <a:schemeClr val="tx1"/>
                 </a:solidFill>
@@ -1643,7 +1685,7 @@
                 <a:ea typeface="+mn-ea"/>
                 <a:cs typeface="+mn-cs"/>
               </a:rPr>
-              <a:t>等多种实时</a:t>
+              <a:t>FineBI</a:t>
             </a:r>
             <a:r>
               <a:rPr lang="en-US" altLang="zh-CN" sz="1200" kern="1200" dirty="0" smtClean="0">
@@ -1655,7 +1697,7 @@
                 <a:ea typeface="+mn-ea"/>
                 <a:cs typeface="+mn-cs"/>
               </a:rPr>
-              <a:t>\</a:t>
+              <a:t> </a:t>
             </a:r>
             <a:r>
               <a:rPr lang="zh-CN" altLang="zh-CN" sz="1200" kern="1200" dirty="0" smtClean="0">
@@ -1667,33 +1709,9 @@
                 <a:ea typeface="+mn-ea"/>
                 <a:cs typeface="+mn-cs"/>
               </a:rPr>
-              <a:t>非实时的采集方式，这些采集方式用于在未连接到服务器上的设备中进行数据采集，同时也为了采集某些不常用的数据，而前文提到的</a:t>
-            </a:r>
-            <a:r>
-              <a:rPr lang="en-US" altLang="zh-CN" sz="1200" kern="1200" dirty="0" smtClean="0">
-                <a:solidFill>
-                  <a:schemeClr val="tx1"/>
-                </a:solidFill>
-                <a:effectLst/>
-                <a:latin typeface="+mn-lt"/>
-                <a:ea typeface="+mn-ea"/>
-                <a:cs typeface="+mn-cs"/>
-              </a:rPr>
-              <a:t> Flume </a:t>
-            </a:r>
-            <a:r>
-              <a:rPr lang="zh-CN" altLang="zh-CN" sz="1200" kern="1200" dirty="0" smtClean="0">
-                <a:solidFill>
-                  <a:schemeClr val="tx1"/>
-                </a:solidFill>
-                <a:effectLst/>
-                <a:latin typeface="+mn-lt"/>
-                <a:ea typeface="+mn-ea"/>
-                <a:cs typeface="+mn-cs"/>
-              </a:rPr>
-              <a:t>技术就从已有系统的服务器上进行日志、数据采集，同时这两种方式都留有一定扩展性。</a:t>
-            </a:r>
-            <a:endParaRPr lang="en-US" altLang="zh-CN" sz="1200" kern="1200" dirty="0" smtClean="0">
+              <a:t>多维数据库在前端的映射，通过业务包的创建和设置，使得多维数据库和业务分析需求的衔接更加紧密自然。</a:t>
+            </a:r>
+            <a:endParaRPr lang="zh-CN" altLang="zh-CN" sz="1200" kern="1200" dirty="0">
               <a:solidFill>
                 <a:schemeClr val="tx1"/>
               </a:solidFill>
@@ -1703,298 +1721,6 @@
               <a:cs typeface="+mn-cs"/>
             </a:endParaRPr>
           </a:p>
-          <a:p>
-            <a:endParaRPr lang="zh-CN" altLang="zh-CN" sz="1200" kern="1200" dirty="0" smtClean="0">
-              <a:solidFill>
-                <a:schemeClr val="tx1"/>
-              </a:solidFill>
-              <a:effectLst/>
-              <a:latin typeface="+mn-lt"/>
-              <a:ea typeface="+mn-ea"/>
-              <a:cs typeface="+mn-cs"/>
-            </a:endParaRPr>
-          </a:p>
-          <a:p>
-            <a:r>
-              <a:rPr lang="zh-CN" altLang="zh-CN" sz="1200" kern="1200" dirty="0" smtClean="0">
-                <a:solidFill>
-                  <a:schemeClr val="tx1"/>
-                </a:solidFill>
-                <a:effectLst/>
-                <a:latin typeface="+mn-lt"/>
-                <a:ea typeface="+mn-ea"/>
-                <a:cs typeface="+mn-cs"/>
-              </a:rPr>
-              <a:t>数据存储功能采用</a:t>
-            </a:r>
-            <a:r>
-              <a:rPr lang="en-US" altLang="zh-CN" sz="1200" kern="1200" dirty="0" smtClean="0">
-                <a:solidFill>
-                  <a:schemeClr val="tx1"/>
-                </a:solidFill>
-                <a:effectLst/>
-                <a:latin typeface="+mn-lt"/>
-                <a:ea typeface="+mn-ea"/>
-                <a:cs typeface="+mn-cs"/>
-              </a:rPr>
-              <a:t> GreenPlum </a:t>
-            </a:r>
-            <a:r>
-              <a:rPr lang="zh-CN" altLang="zh-CN" sz="1200" kern="1200" dirty="0" smtClean="0">
-                <a:solidFill>
-                  <a:schemeClr val="tx1"/>
-                </a:solidFill>
-                <a:effectLst/>
-                <a:latin typeface="+mn-lt"/>
-                <a:ea typeface="+mn-ea"/>
-                <a:cs typeface="+mn-cs"/>
-              </a:rPr>
-              <a:t>存储采集要求高频及海量的业务指标数据，而</a:t>
-            </a:r>
-            <a:r>
-              <a:rPr lang="en-US" altLang="zh-CN" sz="1200" kern="1200" dirty="0" smtClean="0">
-                <a:solidFill>
-                  <a:schemeClr val="tx1"/>
-                </a:solidFill>
-                <a:effectLst/>
-                <a:latin typeface="+mn-lt"/>
-                <a:ea typeface="+mn-ea"/>
-                <a:cs typeface="+mn-cs"/>
-              </a:rPr>
-              <a:t> </a:t>
-            </a:r>
-            <a:r>
-              <a:rPr lang="en-US" altLang="zh-CN" sz="1200" kern="1200" dirty="0" err="1" smtClean="0">
-                <a:solidFill>
-                  <a:schemeClr val="tx1"/>
-                </a:solidFill>
-                <a:effectLst/>
-                <a:latin typeface="+mn-lt"/>
-                <a:ea typeface="+mn-ea"/>
-                <a:cs typeface="+mn-cs"/>
-              </a:rPr>
-              <a:t>mysql</a:t>
-            </a:r>
-            <a:r>
-              <a:rPr lang="en-US" altLang="zh-CN" sz="1200" kern="1200" dirty="0" smtClean="0">
-                <a:solidFill>
-                  <a:schemeClr val="tx1"/>
-                </a:solidFill>
-                <a:effectLst/>
-                <a:latin typeface="+mn-lt"/>
-                <a:ea typeface="+mn-ea"/>
-                <a:cs typeface="+mn-cs"/>
-              </a:rPr>
-              <a:t> </a:t>
-            </a:r>
-            <a:r>
-              <a:rPr lang="zh-CN" altLang="zh-CN" sz="1200" kern="1200" dirty="0" smtClean="0">
-                <a:solidFill>
-                  <a:schemeClr val="tx1"/>
-                </a:solidFill>
-                <a:effectLst/>
-                <a:latin typeface="+mn-lt"/>
-                <a:ea typeface="+mn-ea"/>
-                <a:cs typeface="+mn-cs"/>
-              </a:rPr>
-              <a:t>用来存储策略、权限、日志等常用文件</a:t>
-            </a:r>
-            <a:endParaRPr lang="en-US" altLang="zh-CN" sz="1200" kern="1200" dirty="0" smtClean="0">
-              <a:solidFill>
-                <a:schemeClr val="tx1"/>
-              </a:solidFill>
-              <a:effectLst/>
-              <a:latin typeface="+mn-lt"/>
-              <a:ea typeface="+mn-ea"/>
-              <a:cs typeface="+mn-cs"/>
-            </a:endParaRPr>
-          </a:p>
-          <a:p>
-            <a:endParaRPr lang="en-US" altLang="zh-CN" sz="1200" kern="1200" dirty="0" smtClean="0">
-              <a:solidFill>
-                <a:schemeClr val="tx1"/>
-              </a:solidFill>
-              <a:effectLst/>
-              <a:latin typeface="+mn-lt"/>
-              <a:ea typeface="+mn-ea"/>
-              <a:cs typeface="+mn-cs"/>
-            </a:endParaRPr>
-          </a:p>
-          <a:p>
-            <a:r>
-              <a:rPr lang="zh-CN" altLang="zh-CN" sz="1200" kern="1200" dirty="0" smtClean="0">
-                <a:solidFill>
-                  <a:schemeClr val="tx1"/>
-                </a:solidFill>
-                <a:effectLst/>
-                <a:latin typeface="+mn-lt"/>
-                <a:ea typeface="+mn-ea"/>
-                <a:cs typeface="+mn-cs"/>
-              </a:rPr>
-              <a:t>上层应用层通过数据接口调用数据进行网络维护工作的支撑，其中数据呈现部分通过</a:t>
-            </a:r>
-            <a:r>
-              <a:rPr lang="en-US" altLang="zh-CN" sz="1200" kern="1200" dirty="0" smtClean="0">
-                <a:solidFill>
-                  <a:schemeClr val="tx1"/>
-                </a:solidFill>
-                <a:effectLst/>
-                <a:latin typeface="+mn-lt"/>
-                <a:ea typeface="+mn-ea"/>
-                <a:cs typeface="+mn-cs"/>
-              </a:rPr>
-              <a:t> ajax </a:t>
-            </a:r>
-            <a:r>
-              <a:rPr lang="zh-CN" altLang="zh-CN" sz="1200" kern="1200" dirty="0" smtClean="0">
-                <a:solidFill>
-                  <a:schemeClr val="tx1"/>
-                </a:solidFill>
-                <a:effectLst/>
-                <a:latin typeface="+mn-lt"/>
-                <a:ea typeface="+mn-ea"/>
-                <a:cs typeface="+mn-cs"/>
-              </a:rPr>
-              <a:t>对数据进行实时更新以及</a:t>
-            </a:r>
-            <a:r>
-              <a:rPr lang="en-US" altLang="zh-CN" sz="1200" kern="1200" dirty="0" smtClean="0">
-                <a:solidFill>
-                  <a:schemeClr val="tx1"/>
-                </a:solidFill>
-                <a:effectLst/>
-                <a:latin typeface="+mn-lt"/>
-                <a:ea typeface="+mn-ea"/>
-                <a:cs typeface="+mn-cs"/>
-              </a:rPr>
-              <a:t> </a:t>
-            </a:r>
-            <a:r>
-              <a:rPr lang="en-US" altLang="zh-CN" sz="1200" kern="1200" dirty="0" err="1" smtClean="0">
-                <a:solidFill>
-                  <a:schemeClr val="tx1"/>
-                </a:solidFill>
-                <a:effectLst/>
-                <a:latin typeface="+mn-lt"/>
-                <a:ea typeface="+mn-ea"/>
-                <a:cs typeface="+mn-cs"/>
-              </a:rPr>
-              <a:t>FineBI</a:t>
-            </a:r>
-            <a:r>
-              <a:rPr lang="en-US" altLang="zh-CN" sz="1200" kern="1200" dirty="0" smtClean="0">
-                <a:solidFill>
-                  <a:schemeClr val="tx1"/>
-                </a:solidFill>
-                <a:effectLst/>
-                <a:latin typeface="+mn-lt"/>
-                <a:ea typeface="+mn-ea"/>
-                <a:cs typeface="+mn-cs"/>
-              </a:rPr>
-              <a:t> </a:t>
-            </a:r>
-            <a:r>
-              <a:rPr lang="zh-CN" altLang="zh-CN" sz="1200" kern="1200" dirty="0" smtClean="0">
-                <a:solidFill>
-                  <a:schemeClr val="tx1"/>
-                </a:solidFill>
-                <a:effectLst/>
-                <a:latin typeface="+mn-lt"/>
-                <a:ea typeface="+mn-ea"/>
-                <a:cs typeface="+mn-cs"/>
-              </a:rPr>
-              <a:t>软件进行前端呈现。</a:t>
-            </a:r>
-            <a:endParaRPr lang="en-US" altLang="zh-CN" sz="1200" kern="1200" dirty="0" smtClean="0">
-              <a:solidFill>
-                <a:schemeClr val="tx1"/>
-              </a:solidFill>
-              <a:effectLst/>
-              <a:latin typeface="+mn-lt"/>
-              <a:ea typeface="+mn-ea"/>
-              <a:cs typeface="+mn-cs"/>
-            </a:endParaRPr>
-          </a:p>
-          <a:p>
-            <a:r>
-              <a:rPr lang="zh-CN" altLang="zh-CN" sz="1200" kern="1200" dirty="0" smtClean="0">
-                <a:solidFill>
-                  <a:schemeClr val="tx1"/>
-                </a:solidFill>
-                <a:effectLst/>
-                <a:latin typeface="+mn-lt"/>
-                <a:ea typeface="+mn-ea"/>
-                <a:cs typeface="+mn-cs"/>
-              </a:rPr>
-              <a:t>数据呈现部分应该具有以下功能</a:t>
-            </a:r>
-          </a:p>
-          <a:p>
-            <a:r>
-              <a:rPr lang="en-US" altLang="zh-CN" sz="1200" kern="1200" dirty="0" smtClean="0">
-                <a:solidFill>
-                  <a:schemeClr val="tx1"/>
-                </a:solidFill>
-                <a:effectLst/>
-                <a:latin typeface="+mn-lt"/>
-                <a:ea typeface="+mn-ea"/>
-                <a:cs typeface="+mn-cs"/>
-              </a:rPr>
-              <a:t>(1)	</a:t>
-            </a:r>
-            <a:r>
-              <a:rPr lang="zh-CN" altLang="zh-CN" sz="1200" kern="1200" dirty="0" smtClean="0">
-                <a:solidFill>
-                  <a:schemeClr val="tx1"/>
-                </a:solidFill>
-                <a:effectLst/>
-                <a:latin typeface="+mn-lt"/>
-                <a:ea typeface="+mn-ea"/>
-                <a:cs typeface="+mn-cs"/>
-              </a:rPr>
-              <a:t>多种图表展示功能。针对不同类型的数据通过不同类型的图表进行数据呈现，使得呈现重点一目了然。</a:t>
-            </a:r>
-          </a:p>
-          <a:p>
-            <a:r>
-              <a:rPr lang="en-US" altLang="zh-CN" sz="1200" kern="1200" dirty="0" smtClean="0">
-                <a:solidFill>
-                  <a:schemeClr val="tx1"/>
-                </a:solidFill>
-                <a:effectLst/>
-                <a:latin typeface="+mn-lt"/>
-                <a:ea typeface="+mn-ea"/>
-                <a:cs typeface="+mn-cs"/>
-              </a:rPr>
-              <a:t>(2)	</a:t>
-            </a:r>
-            <a:r>
-              <a:rPr lang="zh-CN" altLang="zh-CN" sz="1200" kern="1200" dirty="0" smtClean="0">
-                <a:solidFill>
-                  <a:schemeClr val="tx1"/>
-                </a:solidFill>
-                <a:effectLst/>
-                <a:latin typeface="+mn-lt"/>
-                <a:ea typeface="+mn-ea"/>
-                <a:cs typeface="+mn-cs"/>
-              </a:rPr>
-              <a:t>针对不同维度，呈现不同的界面内容，使得各专业人员对所关心对象能够细化了解详情。</a:t>
-            </a:r>
-          </a:p>
-          <a:p>
-            <a:endParaRPr lang="zh-CN" altLang="zh-CN" sz="1200" kern="1200" dirty="0" smtClean="0">
-              <a:solidFill>
-                <a:schemeClr val="tx1"/>
-              </a:solidFill>
-              <a:effectLst/>
-              <a:latin typeface="+mn-lt"/>
-              <a:ea typeface="+mn-ea"/>
-              <a:cs typeface="+mn-cs"/>
-            </a:endParaRPr>
-          </a:p>
-          <a:p>
-            <a:endParaRPr lang="zh-CN" altLang="en-US" dirty="0"/>
-          </a:p>
         </p:txBody>
       </p:sp>
       <p:sp>
@@ -2014,7 +1740,7 @@
           <a:p>
             <a:fld id="{211EDE8F-5748-564A-B104-45C8D6344219}" type="slidenum">
               <a:rPr kumimoji="1" lang="zh-CN" altLang="en-US" smtClean="0"/>
-              <a:t>16</a:t>
+              <a:t>14</a:t>
             </a:fld>
             <a:endParaRPr kumimoji="1" lang="zh-CN" altLang="en-US"/>
           </a:p>
@@ -2023,7 +1749,7 @@
     </p:spTree>
     <p:extLst>
       <p:ext uri="{BB962C8B-B14F-4D97-AF65-F5344CB8AC3E}">
-        <p14:creationId xmlns:p14="http://schemas.microsoft.com/office/powerpoint/2010/main" val="3348073480"/>
+        <p14:creationId xmlns:p14="http://schemas.microsoft.com/office/powerpoint/2010/main" val="2675073728"/>
       </p:ext>
     </p:extLst>
   </p:cSld>
@@ -2078,7 +1804,7 @@
           <a:lstStyle/>
           <a:p>
             <a:r>
-              <a:rPr lang="zh-CN" altLang="en-US" sz="1200" kern="1200" dirty="0" smtClean="0">
+              <a:rPr lang="zh-CN" altLang="zh-CN" sz="1200" kern="1200" dirty="0" smtClean="0">
                 <a:solidFill>
                   <a:schemeClr val="tx1"/>
                 </a:solidFill>
@@ -2087,8 +1813,380 @@
                 <a:ea typeface="+mn-ea"/>
                 <a:cs typeface="+mn-cs"/>
               </a:rPr>
-              <a:t>以上是大数据系统工程性的设计，这里还给出了就系统建成后对于如何运用大数据以及数据挖掘技术解决实际网络管理难题的场景和思路</a:t>
-            </a:r>
+              <a:t>其中处理层提供</a:t>
+            </a:r>
+            <a:r>
+              <a:rPr lang="en-US" altLang="zh-CN" sz="1200" kern="1200" dirty="0" smtClean="0">
+                <a:solidFill>
+                  <a:schemeClr val="tx1"/>
+                </a:solidFill>
+                <a:effectLst/>
+                <a:latin typeface="+mn-lt"/>
+                <a:ea typeface="+mn-ea"/>
+                <a:cs typeface="+mn-cs"/>
+              </a:rPr>
+              <a:t> SFTP\ FTP\ TELNET\ SNMP </a:t>
+            </a:r>
+            <a:r>
+              <a:rPr lang="zh-CN" altLang="zh-CN" sz="1200" kern="1200" dirty="0" smtClean="0">
+                <a:solidFill>
+                  <a:schemeClr val="tx1"/>
+                </a:solidFill>
+                <a:effectLst/>
+                <a:latin typeface="+mn-lt"/>
+                <a:ea typeface="+mn-ea"/>
+                <a:cs typeface="+mn-cs"/>
+              </a:rPr>
+              <a:t>等多种实时</a:t>
+            </a:r>
+            <a:r>
+              <a:rPr lang="en-US" altLang="zh-CN" sz="1200" kern="1200" dirty="0" smtClean="0">
+                <a:solidFill>
+                  <a:schemeClr val="tx1"/>
+                </a:solidFill>
+                <a:effectLst/>
+                <a:latin typeface="+mn-lt"/>
+                <a:ea typeface="+mn-ea"/>
+                <a:cs typeface="+mn-cs"/>
+              </a:rPr>
+              <a:t>\</a:t>
+            </a:r>
+            <a:r>
+              <a:rPr lang="zh-CN" altLang="zh-CN" sz="1200" kern="1200" dirty="0" smtClean="0">
+                <a:solidFill>
+                  <a:schemeClr val="tx1"/>
+                </a:solidFill>
+                <a:effectLst/>
+                <a:latin typeface="+mn-lt"/>
+                <a:ea typeface="+mn-ea"/>
+                <a:cs typeface="+mn-cs"/>
+              </a:rPr>
+              <a:t>非实时的采集方式，这些采集方式用于在未连接到服务器上的设备中进行数据采集，同时也为了采集某些不常用的数据，而前文提到的</a:t>
+            </a:r>
+            <a:r>
+              <a:rPr lang="en-US" altLang="zh-CN" sz="1200" kern="1200" dirty="0" smtClean="0">
+                <a:solidFill>
+                  <a:schemeClr val="tx1"/>
+                </a:solidFill>
+                <a:effectLst/>
+                <a:latin typeface="+mn-lt"/>
+                <a:ea typeface="+mn-ea"/>
+                <a:cs typeface="+mn-cs"/>
+              </a:rPr>
+              <a:t> Flume </a:t>
+            </a:r>
+            <a:r>
+              <a:rPr lang="zh-CN" altLang="zh-CN" sz="1200" kern="1200" dirty="0" smtClean="0">
+                <a:solidFill>
+                  <a:schemeClr val="tx1"/>
+                </a:solidFill>
+                <a:effectLst/>
+                <a:latin typeface="+mn-lt"/>
+                <a:ea typeface="+mn-ea"/>
+                <a:cs typeface="+mn-cs"/>
+              </a:rPr>
+              <a:t>技术就从已有系统的服务器上进行日志、数据采集，同时这两种方式都留有一定扩展性。</a:t>
+            </a:r>
+            <a:endParaRPr lang="en-US" altLang="zh-CN" sz="1200" kern="1200" dirty="0" smtClean="0">
+              <a:solidFill>
+                <a:schemeClr val="tx1"/>
+              </a:solidFill>
+              <a:effectLst/>
+              <a:latin typeface="+mn-lt"/>
+              <a:ea typeface="+mn-ea"/>
+              <a:cs typeface="+mn-cs"/>
+            </a:endParaRPr>
+          </a:p>
+          <a:p>
+            <a:endParaRPr lang="zh-CN" altLang="zh-CN" sz="1200" kern="1200" dirty="0" smtClean="0">
+              <a:solidFill>
+                <a:schemeClr val="tx1"/>
+              </a:solidFill>
+              <a:effectLst/>
+              <a:latin typeface="+mn-lt"/>
+              <a:ea typeface="+mn-ea"/>
+              <a:cs typeface="+mn-cs"/>
+            </a:endParaRPr>
+          </a:p>
+          <a:p>
+            <a:r>
+              <a:rPr lang="zh-CN" altLang="zh-CN" sz="1200" kern="1200" dirty="0" smtClean="0">
+                <a:solidFill>
+                  <a:schemeClr val="tx1"/>
+                </a:solidFill>
+                <a:effectLst/>
+                <a:latin typeface="+mn-lt"/>
+                <a:ea typeface="+mn-ea"/>
+                <a:cs typeface="+mn-cs"/>
+              </a:rPr>
+              <a:t>数据存储功能采用</a:t>
+            </a:r>
+            <a:r>
+              <a:rPr lang="en-US" altLang="zh-CN" sz="1200" kern="1200" dirty="0" smtClean="0">
+                <a:solidFill>
+                  <a:schemeClr val="tx1"/>
+                </a:solidFill>
+                <a:effectLst/>
+                <a:latin typeface="+mn-lt"/>
+                <a:ea typeface="+mn-ea"/>
+                <a:cs typeface="+mn-cs"/>
+              </a:rPr>
+              <a:t> GreenPlum </a:t>
+            </a:r>
+            <a:r>
+              <a:rPr lang="zh-CN" altLang="zh-CN" sz="1200" kern="1200" dirty="0" smtClean="0">
+                <a:solidFill>
+                  <a:schemeClr val="tx1"/>
+                </a:solidFill>
+                <a:effectLst/>
+                <a:latin typeface="+mn-lt"/>
+                <a:ea typeface="+mn-ea"/>
+                <a:cs typeface="+mn-cs"/>
+              </a:rPr>
+              <a:t>存储采集要求高频及海量的业务指标数据，而</a:t>
+            </a:r>
+            <a:r>
+              <a:rPr lang="en-US" altLang="zh-CN" sz="1200" kern="1200" dirty="0" smtClean="0">
+                <a:solidFill>
+                  <a:schemeClr val="tx1"/>
+                </a:solidFill>
+                <a:effectLst/>
+                <a:latin typeface="+mn-lt"/>
+                <a:ea typeface="+mn-ea"/>
+                <a:cs typeface="+mn-cs"/>
+              </a:rPr>
+              <a:t> </a:t>
+            </a:r>
+            <a:r>
+              <a:rPr lang="en-US" altLang="zh-CN" sz="1200" kern="1200" dirty="0" err="1" smtClean="0">
+                <a:solidFill>
+                  <a:schemeClr val="tx1"/>
+                </a:solidFill>
+                <a:effectLst/>
+                <a:latin typeface="+mn-lt"/>
+                <a:ea typeface="+mn-ea"/>
+                <a:cs typeface="+mn-cs"/>
+              </a:rPr>
+              <a:t>mysql</a:t>
+            </a:r>
+            <a:r>
+              <a:rPr lang="en-US" altLang="zh-CN" sz="1200" kern="1200" dirty="0" smtClean="0">
+                <a:solidFill>
+                  <a:schemeClr val="tx1"/>
+                </a:solidFill>
+                <a:effectLst/>
+                <a:latin typeface="+mn-lt"/>
+                <a:ea typeface="+mn-ea"/>
+                <a:cs typeface="+mn-cs"/>
+              </a:rPr>
+              <a:t> </a:t>
+            </a:r>
+            <a:r>
+              <a:rPr lang="zh-CN" altLang="zh-CN" sz="1200" kern="1200" dirty="0" smtClean="0">
+                <a:solidFill>
+                  <a:schemeClr val="tx1"/>
+                </a:solidFill>
+                <a:effectLst/>
+                <a:latin typeface="+mn-lt"/>
+                <a:ea typeface="+mn-ea"/>
+                <a:cs typeface="+mn-cs"/>
+              </a:rPr>
+              <a:t>用来存储策略、权限、日志等常用文件</a:t>
+            </a:r>
+            <a:endParaRPr lang="en-US" altLang="zh-CN" sz="1200" kern="1200" dirty="0" smtClean="0">
+              <a:solidFill>
+                <a:schemeClr val="tx1"/>
+              </a:solidFill>
+              <a:effectLst/>
+              <a:latin typeface="+mn-lt"/>
+              <a:ea typeface="+mn-ea"/>
+              <a:cs typeface="+mn-cs"/>
+            </a:endParaRPr>
+          </a:p>
+          <a:p>
+            <a:endParaRPr lang="en-US" altLang="zh-CN" sz="1200" kern="1200" dirty="0" smtClean="0">
+              <a:solidFill>
+                <a:schemeClr val="tx1"/>
+              </a:solidFill>
+              <a:effectLst/>
+              <a:latin typeface="+mn-lt"/>
+              <a:ea typeface="+mn-ea"/>
+              <a:cs typeface="+mn-cs"/>
+            </a:endParaRPr>
+          </a:p>
+          <a:p>
+            <a:r>
+              <a:rPr lang="zh-CN" altLang="zh-CN" sz="1200" kern="1200" dirty="0" smtClean="0">
+                <a:solidFill>
+                  <a:schemeClr val="tx1"/>
+                </a:solidFill>
+                <a:effectLst/>
+                <a:latin typeface="+mn-lt"/>
+                <a:ea typeface="+mn-ea"/>
+                <a:cs typeface="+mn-cs"/>
+              </a:rPr>
+              <a:t>上层应用层通过数据接口调用数据进行网络维护工作的支撑，其中数据呈现部分通过</a:t>
+            </a:r>
+            <a:r>
+              <a:rPr lang="en-US" altLang="zh-CN" sz="1200" kern="1200" dirty="0" smtClean="0">
+                <a:solidFill>
+                  <a:schemeClr val="tx1"/>
+                </a:solidFill>
+                <a:effectLst/>
+                <a:latin typeface="+mn-lt"/>
+                <a:ea typeface="+mn-ea"/>
+                <a:cs typeface="+mn-cs"/>
+              </a:rPr>
+              <a:t> ajax </a:t>
+            </a:r>
+            <a:r>
+              <a:rPr lang="zh-CN" altLang="zh-CN" sz="1200" kern="1200" dirty="0" smtClean="0">
+                <a:solidFill>
+                  <a:schemeClr val="tx1"/>
+                </a:solidFill>
+                <a:effectLst/>
+                <a:latin typeface="+mn-lt"/>
+                <a:ea typeface="+mn-ea"/>
+                <a:cs typeface="+mn-cs"/>
+              </a:rPr>
+              <a:t>对数据进行实时更新以及</a:t>
+            </a:r>
+            <a:r>
+              <a:rPr lang="en-US" altLang="zh-CN" sz="1200" kern="1200" dirty="0" smtClean="0">
+                <a:solidFill>
+                  <a:schemeClr val="tx1"/>
+                </a:solidFill>
+                <a:effectLst/>
+                <a:latin typeface="+mn-lt"/>
+                <a:ea typeface="+mn-ea"/>
+                <a:cs typeface="+mn-cs"/>
+              </a:rPr>
+              <a:t> </a:t>
+            </a:r>
+            <a:r>
+              <a:rPr lang="en-US" altLang="zh-CN" sz="1200" kern="1200" dirty="0" err="1" smtClean="0">
+                <a:solidFill>
+                  <a:schemeClr val="tx1"/>
+                </a:solidFill>
+                <a:effectLst/>
+                <a:latin typeface="+mn-lt"/>
+                <a:ea typeface="+mn-ea"/>
+                <a:cs typeface="+mn-cs"/>
+              </a:rPr>
+              <a:t>FineBI</a:t>
+            </a:r>
+            <a:r>
+              <a:rPr lang="en-US" altLang="zh-CN" sz="1200" kern="1200" dirty="0" smtClean="0">
+                <a:solidFill>
+                  <a:schemeClr val="tx1"/>
+                </a:solidFill>
+                <a:effectLst/>
+                <a:latin typeface="+mn-lt"/>
+                <a:ea typeface="+mn-ea"/>
+                <a:cs typeface="+mn-cs"/>
+              </a:rPr>
+              <a:t> </a:t>
+            </a:r>
+            <a:r>
+              <a:rPr lang="zh-CN" altLang="zh-CN" sz="1200" kern="1200" dirty="0" smtClean="0">
+                <a:solidFill>
+                  <a:schemeClr val="tx1"/>
+                </a:solidFill>
+                <a:effectLst/>
+                <a:latin typeface="+mn-lt"/>
+                <a:ea typeface="+mn-ea"/>
+                <a:cs typeface="+mn-cs"/>
+              </a:rPr>
+              <a:t>软件进行前端呈现。</a:t>
+            </a:r>
+            <a:endParaRPr lang="en-US" altLang="zh-CN" sz="1200" kern="1200" dirty="0" smtClean="0">
+              <a:solidFill>
+                <a:schemeClr val="tx1"/>
+              </a:solidFill>
+              <a:effectLst/>
+              <a:latin typeface="+mn-lt"/>
+              <a:ea typeface="+mn-ea"/>
+              <a:cs typeface="+mn-cs"/>
+            </a:endParaRPr>
+          </a:p>
+          <a:p>
+            <a:r>
+              <a:rPr lang="zh-CN" altLang="zh-CN" sz="1200" kern="1200" dirty="0" smtClean="0">
+                <a:solidFill>
+                  <a:schemeClr val="tx1"/>
+                </a:solidFill>
+                <a:effectLst/>
+                <a:latin typeface="+mn-lt"/>
+                <a:ea typeface="+mn-ea"/>
+                <a:cs typeface="+mn-cs"/>
+              </a:rPr>
+              <a:t>数据呈现部分应该具有以下功能</a:t>
+            </a:r>
+          </a:p>
+          <a:p>
+            <a:r>
+              <a:rPr lang="en-US" altLang="zh-CN" sz="1200" kern="1200" dirty="0" smtClean="0">
+                <a:solidFill>
+                  <a:schemeClr val="tx1"/>
+                </a:solidFill>
+                <a:effectLst/>
+                <a:latin typeface="+mn-lt"/>
+                <a:ea typeface="+mn-ea"/>
+                <a:cs typeface="+mn-cs"/>
+              </a:rPr>
+              <a:t>(1)	</a:t>
+            </a:r>
+            <a:r>
+              <a:rPr lang="zh-CN" altLang="zh-CN" sz="1200" kern="1200" dirty="0" smtClean="0">
+                <a:solidFill>
+                  <a:schemeClr val="tx1"/>
+                </a:solidFill>
+                <a:effectLst/>
+                <a:latin typeface="+mn-lt"/>
+                <a:ea typeface="+mn-ea"/>
+                <a:cs typeface="+mn-cs"/>
+              </a:rPr>
+              <a:t>多种图表展示功能。针对不同类型的数据通过不同类型的图表进行数据呈现，使得呈现重点一目了然。</a:t>
+            </a:r>
+          </a:p>
+          <a:p>
+            <a:r>
+              <a:rPr lang="en-US" altLang="zh-CN" sz="1200" kern="1200" dirty="0" smtClean="0">
+                <a:solidFill>
+                  <a:schemeClr val="tx1"/>
+                </a:solidFill>
+                <a:effectLst/>
+                <a:latin typeface="+mn-lt"/>
+                <a:ea typeface="+mn-ea"/>
+                <a:cs typeface="+mn-cs"/>
+              </a:rPr>
+              <a:t>(2)	</a:t>
+            </a:r>
+            <a:r>
+              <a:rPr lang="zh-CN" altLang="zh-CN" sz="1200" kern="1200" dirty="0" smtClean="0">
+                <a:solidFill>
+                  <a:schemeClr val="tx1"/>
+                </a:solidFill>
+                <a:effectLst/>
+                <a:latin typeface="+mn-lt"/>
+                <a:ea typeface="+mn-ea"/>
+                <a:cs typeface="+mn-cs"/>
+              </a:rPr>
+              <a:t>针对不同维度，呈现不同的界面内容，使得各专业人员对所关心对象能够细化了解详情。</a:t>
+            </a:r>
+          </a:p>
+          <a:p>
+            <a:endParaRPr lang="zh-CN" altLang="zh-CN" sz="1200" kern="1200" dirty="0" smtClean="0">
+              <a:solidFill>
+                <a:schemeClr val="tx1"/>
+              </a:solidFill>
+              <a:effectLst/>
+              <a:latin typeface="+mn-lt"/>
+              <a:ea typeface="+mn-ea"/>
+              <a:cs typeface="+mn-cs"/>
+            </a:endParaRPr>
+          </a:p>
+          <a:p>
             <a:endParaRPr lang="zh-CN" altLang="en-US" dirty="0"/>
           </a:p>
         </p:txBody>
@@ -2110,7 +2208,7 @@
           <a:p>
             <a:fld id="{211EDE8F-5748-564A-B104-45C8D6344219}" type="slidenum">
               <a:rPr kumimoji="1" lang="zh-CN" altLang="en-US" smtClean="0"/>
-              <a:t>17</a:t>
+              <a:t>16</a:t>
             </a:fld>
             <a:endParaRPr kumimoji="1" lang="zh-CN" altLang="en-US"/>
           </a:p>
@@ -2119,7 +2217,7 @@
     </p:spTree>
     <p:extLst>
       <p:ext uri="{BB962C8B-B14F-4D97-AF65-F5344CB8AC3E}">
-        <p14:creationId xmlns:p14="http://schemas.microsoft.com/office/powerpoint/2010/main" val="3440191408"/>
+        <p14:creationId xmlns:p14="http://schemas.microsoft.com/office/powerpoint/2010/main" val="3348073480"/>
       </p:ext>
     </p:extLst>
   </p:cSld>
@@ -2206,7 +2304,7 @@
           <a:p>
             <a:fld id="{211EDE8F-5748-564A-B104-45C8D6344219}" type="slidenum">
               <a:rPr kumimoji="1" lang="zh-CN" altLang="en-US" smtClean="0"/>
-              <a:t>18</a:t>
+              <a:t>17</a:t>
             </a:fld>
             <a:endParaRPr kumimoji="1" lang="zh-CN" altLang="en-US"/>
           </a:p>
@@ -2215,7 +2313,7 @@
     </p:spTree>
     <p:extLst>
       <p:ext uri="{BB962C8B-B14F-4D97-AF65-F5344CB8AC3E}">
-        <p14:creationId xmlns:p14="http://schemas.microsoft.com/office/powerpoint/2010/main" val="3303032916"/>
+        <p14:creationId xmlns:p14="http://schemas.microsoft.com/office/powerpoint/2010/main" val="3440191408"/>
       </p:ext>
     </p:extLst>
   </p:cSld>
@@ -12008,11 +12106,7 @@
           <a:p>
             <a:r>
               <a:rPr kumimoji="1" lang="zh-CN" altLang="en-US" sz="2000" dirty="0" smtClean="0"/>
-              <a:t>报告人</a:t>
-            </a:r>
-            <a:r>
-              <a:rPr kumimoji="1" lang="zh-CN" altLang="en-US" sz="2000" dirty="0" smtClean="0"/>
-              <a:t>：</a:t>
+              <a:t>报告人：</a:t>
             </a:r>
             <a:r>
               <a:rPr kumimoji="1" lang="zh-CN" altLang="en-US" sz="2000" dirty="0"/>
@@ -12031,7 +12125,7 @@
           <p:nvPr/>
         </p:nvPicPr>
         <p:blipFill>
-          <a:blip r:embed="rId2">
+          <a:blip r:embed="rId3">
             <a:extLst>
               <a:ext uri="{28A0092B-C50C-407E-A947-70E740481C1C}">
                 <a14:useLocalDpi xmlns:a14="http://schemas.microsoft.com/office/drawing/2010/main" val="0"/>
@@ -12619,16 +12713,6 @@
               </a:rPr>
               <a:t>异常检测问题进行了分析，并提出了利用数据挖掘来解决问题的一种思路。</a:t>
             </a:r>
-            <a:endParaRPr lang="zh-CN" altLang="en-US" sz="1200" dirty="0">
-              <a:solidFill>
-                <a:schemeClr val="tx1">
-                  <a:lumMod val="85000"/>
-                  <a:lumOff val="15000"/>
-                </a:schemeClr>
-              </a:solidFill>
-              <a:latin typeface="微软雅黑" charset="0"/>
-              <a:ea typeface="微软雅黑" charset="0"/>
-            </a:endParaRPr>
           </a:p>
         </p:txBody>
       </p:sp>
@@ -12893,16 +12977,6 @@
               </a:rPr>
               <a:t>提出采用丰富的图表形式来对数据分析结果进行直观有效的展示，使得网络管理运维人员能够更加清晰直观地了解网络情况，能对网络问题及时做出应对。</a:t>
             </a:r>
-            <a:endParaRPr lang="zh-CN" altLang="en-US" sz="1200" dirty="0">
-              <a:solidFill>
-                <a:schemeClr val="tx1">
-                  <a:lumMod val="85000"/>
-                  <a:lumOff val="15000"/>
-                </a:schemeClr>
-              </a:solidFill>
-              <a:latin typeface="微软雅黑" charset="0"/>
-              <a:ea typeface="微软雅黑" charset="0"/>
-            </a:endParaRPr>
           </a:p>
         </p:txBody>
       </p:sp>
@@ -13207,7 +13281,6 @@
               <a:rPr kumimoji="1" lang="zh-CN" altLang="en-US" dirty="0"/>
               <a:t>相关知识综述</a:t>
             </a:r>
-            <a:endParaRPr kumimoji="1" lang="zh-CN" altLang="en-US" dirty="0"/>
           </a:p>
         </p:txBody>
       </p:sp>
@@ -13783,7 +13856,6 @@
               <a:rPr kumimoji="1" lang="zh-CN" altLang="en-US" dirty="0"/>
               <a:t>相关知识综述</a:t>
             </a:r>
-            <a:endParaRPr kumimoji="1" lang="zh-CN" altLang="en-US" dirty="0"/>
           </a:p>
         </p:txBody>
       </p:sp>
@@ -14069,7 +14141,6 @@
               <a:rPr kumimoji="1" lang="zh-CN" altLang="en-US" dirty="0"/>
               <a:t>相关知识综述</a:t>
             </a:r>
-            <a:endParaRPr kumimoji="1" lang="zh-CN" altLang="en-US" dirty="0"/>
           </a:p>
         </p:txBody>
       </p:sp>
@@ -18429,11 +18500,7 @@
           <a:p>
             <a:r>
               <a:rPr kumimoji="1" lang="zh-CN" altLang="en-US" dirty="0" smtClean="0"/>
-              <a:t>论文</a:t>
-            </a:r>
-            <a:r>
-              <a:rPr kumimoji="1" lang="zh-CN" altLang="en-US" dirty="0" smtClean="0"/>
-              <a:t>内容</a:t>
+              <a:t>论文内容</a:t>
             </a:r>
             <a:r>
               <a:rPr kumimoji="1" lang="en-US" altLang="zh-CN" dirty="0" smtClean="0"/>
@@ -19275,11 +19342,7 @@
           <a:p>
             <a:r>
               <a:rPr kumimoji="1" lang="zh-CN" altLang="en-US" sz="2000" dirty="0" smtClean="0"/>
-              <a:t>报告人</a:t>
-            </a:r>
-            <a:r>
-              <a:rPr kumimoji="1" lang="zh-CN" altLang="en-US" sz="2000" dirty="0" smtClean="0"/>
-              <a:t>：</a:t>
+              <a:t>报告人：</a:t>
             </a:r>
             <a:r>
               <a:rPr kumimoji="1" lang="zh-CN" altLang="en-US" sz="2000" dirty="0"/>
@@ -19905,16 +19968,6 @@
               </a:rPr>
               <a:t>主流制式。</a:t>
             </a:r>
-            <a:endParaRPr lang="zh-CN" altLang="en-US" sz="1200" dirty="0">
-              <a:solidFill>
-                <a:schemeClr val="tx1">
-                  <a:lumMod val="75000"/>
-                  <a:lumOff val="25000"/>
-                </a:schemeClr>
-              </a:solidFill>
-              <a:latin typeface="微软雅黑" charset="0"/>
-              <a:ea typeface="微软雅黑" charset="0"/>
-            </a:endParaRPr>
           </a:p>
         </p:txBody>
       </p:sp>
@@ -20066,20 +20119,7 @@
                 <a:latin typeface="微软雅黑" charset="0"/>
                 <a:ea typeface="微软雅黑" charset="0"/>
               </a:rPr>
-              <a:t>2000</a:t>
-            </a:r>
-            <a:r>
-              <a:rPr lang="en-US" altLang="zh-CN" sz="1200" dirty="0" smtClean="0">
-                <a:solidFill>
-                  <a:schemeClr val="tx1">
-                    <a:lumMod val="75000"/>
-                    <a:lumOff val="25000"/>
-                  </a:schemeClr>
-                </a:solidFill>
-                <a:latin typeface="微软雅黑" charset="0"/>
-                <a:ea typeface="微软雅黑" charset="0"/>
-              </a:rPr>
-              <a:t>s</a:t>
+              <a:t>2000s</a:t>
             </a:r>
           </a:p>
           <a:p>
@@ -20099,10 +20139,10 @@
                 <a:latin typeface="微软雅黑" charset="0"/>
                 <a:ea typeface="微软雅黑" charset="0"/>
               </a:rPr>
-              <a:t>3</a:t>
-            </a:r>
-            <a:r>
-              <a:rPr lang="en-US" altLang="zh-CN" sz="1200" dirty="0" smtClean="0">
+              <a:t>3g</a:t>
+            </a:r>
+            <a:r>
+              <a:rPr lang="zh-CN" altLang="en-US" sz="1200" dirty="0" smtClean="0">
                 <a:solidFill>
                   <a:schemeClr val="tx1">
                     <a:lumMod val="75000"/>
@@ -20112,10 +20152,10 @@
                 <a:latin typeface="微软雅黑" charset="0"/>
                 <a:ea typeface="微软雅黑" charset="0"/>
               </a:rPr>
-              <a:t>g</a:t>
-            </a:r>
-            <a:r>
-              <a:rPr lang="zh-CN" altLang="en-US" sz="1200" dirty="0" smtClean="0">
+              <a:t>时代</a:t>
+            </a:r>
+            <a:r>
+              <a:rPr lang="zh-CN" altLang="en-US" sz="1200" dirty="0">
                 <a:solidFill>
                   <a:schemeClr val="tx1">
                     <a:lumMod val="75000"/>
@@ -20125,10 +20165,10 @@
                 <a:latin typeface="微软雅黑" charset="0"/>
                 <a:ea typeface="微软雅黑" charset="0"/>
               </a:rPr>
-              <a:t>时代</a:t>
-            </a:r>
-            <a:r>
-              <a:rPr lang="zh-CN" altLang="en-US" sz="1200" dirty="0">
+              <a:t>，由我国大唐电信主导提出的 </a:t>
+            </a:r>
+            <a:r>
+              <a:rPr lang="en-US" altLang="zh-CN" sz="1200" dirty="0">
                 <a:solidFill>
                   <a:schemeClr val="tx1">
                     <a:lumMod val="75000"/>
@@ -20138,10 +20178,10 @@
                 <a:latin typeface="微软雅黑" charset="0"/>
                 <a:ea typeface="微软雅黑" charset="0"/>
               </a:rPr>
-              <a:t>，由我国大唐电信主导提出的 </a:t>
-            </a:r>
-            <a:r>
-              <a:rPr lang="en-US" altLang="zh-CN" sz="1200" dirty="0">
+              <a:t>TD-SCDMA </a:t>
+            </a:r>
+            <a:r>
+              <a:rPr lang="zh-CN" altLang="en-US" sz="1200" dirty="0">
                 <a:solidFill>
                   <a:schemeClr val="tx1">
                     <a:lumMod val="75000"/>
@@ -20151,10 +20191,10 @@
                 <a:latin typeface="微软雅黑" charset="0"/>
                 <a:ea typeface="微软雅黑" charset="0"/>
               </a:rPr>
-              <a:t>TD-SCDMA </a:t>
-            </a:r>
-            <a:r>
-              <a:rPr lang="zh-CN" altLang="en-US" sz="1200" dirty="0">
+              <a:t>标准被 </a:t>
+            </a:r>
+            <a:r>
+              <a:rPr lang="en-US" altLang="zh-CN" sz="1200" dirty="0">
                 <a:solidFill>
                   <a:schemeClr val="tx1">
                     <a:lumMod val="75000"/>
@@ -20164,10 +20204,10 @@
                 <a:latin typeface="微软雅黑" charset="0"/>
                 <a:ea typeface="微软雅黑" charset="0"/>
               </a:rPr>
-              <a:t>标准被 </a:t>
-            </a:r>
-            <a:r>
-              <a:rPr lang="en-US" altLang="zh-CN" sz="1200" dirty="0">
+              <a:t>ITU </a:t>
+            </a:r>
+            <a:r>
+              <a:rPr lang="zh-CN" altLang="en-US" sz="1200" dirty="0">
                 <a:solidFill>
                   <a:schemeClr val="tx1">
                     <a:lumMod val="75000"/>
@@ -20177,10 +20217,10 @@
                 <a:latin typeface="微软雅黑" charset="0"/>
                 <a:ea typeface="微软雅黑" charset="0"/>
               </a:rPr>
-              <a:t>ITU </a:t>
-            </a:r>
-            <a:r>
-              <a:rPr lang="zh-CN" altLang="en-US" sz="1200" dirty="0">
+              <a:t>确立成为 </a:t>
+            </a:r>
+            <a:r>
+              <a:rPr lang="en-US" altLang="zh-CN" sz="1200" dirty="0">
                 <a:solidFill>
                   <a:schemeClr val="tx1">
                     <a:lumMod val="75000"/>
@@ -20190,10 +20230,10 @@
                 <a:latin typeface="微软雅黑" charset="0"/>
                 <a:ea typeface="微软雅黑" charset="0"/>
               </a:rPr>
-              <a:t>确立成为 </a:t>
-            </a:r>
-            <a:r>
-              <a:rPr lang="en-US" altLang="zh-CN" sz="1200" dirty="0">
+              <a:t>3G </a:t>
+            </a:r>
+            <a:r>
+              <a:rPr lang="zh-CN" altLang="en-US" sz="1200" dirty="0">
                 <a:solidFill>
                   <a:schemeClr val="tx1">
                     <a:lumMod val="75000"/>
@@ -20203,31 +20243,8 @@
                 <a:latin typeface="微软雅黑" charset="0"/>
                 <a:ea typeface="微软雅黑" charset="0"/>
               </a:rPr>
-              <a:t>3G </a:t>
-            </a:r>
-            <a:r>
-              <a:rPr lang="zh-CN" altLang="en-US" sz="1200" dirty="0">
-                <a:solidFill>
-                  <a:schemeClr val="tx1">
-                    <a:lumMod val="75000"/>
-                    <a:lumOff val="25000"/>
-                  </a:schemeClr>
-                </a:solidFill>
-                <a:latin typeface="微软雅黑" charset="0"/>
-                <a:ea typeface="微软雅黑" charset="0"/>
-              </a:rPr>
               <a:t>主流制式</a:t>
             </a:r>
-            <a:endParaRPr lang="zh-CN" altLang="en-US" sz="1200" dirty="0">
-              <a:solidFill>
-                <a:schemeClr val="tx1">
-                  <a:lumMod val="75000"/>
-                  <a:lumOff val="25000"/>
-                </a:schemeClr>
-              </a:solidFill>
-              <a:latin typeface="微软雅黑" charset="0"/>
-              <a:ea typeface="微软雅黑" charset="0"/>
-            </a:endParaRPr>
           </a:p>
         </p:txBody>
       </p:sp>
@@ -20515,16 +20532,6 @@
               </a:rPr>
               <a:t>技术标准发展，有望实现技术与市场双引领</a:t>
             </a:r>
-            <a:endParaRPr lang="zh-CN" altLang="en-US" sz="1200" dirty="0">
-              <a:solidFill>
-                <a:schemeClr val="tx1">
-                  <a:lumMod val="75000"/>
-                  <a:lumOff val="25000"/>
-                </a:schemeClr>
-              </a:solidFill>
-              <a:latin typeface="微软雅黑" charset="0"/>
-              <a:ea typeface="微软雅黑" charset="0"/>
-            </a:endParaRPr>
           </a:p>
         </p:txBody>
       </p:sp>
@@ -23940,13 +23947,6 @@
               </a:rPr>
               <a:t>第二章 </a:t>
             </a:r>
-            <a:endParaRPr kumimoji="1" lang="zh-CN" altLang="en-US" sz="1400" dirty="0">
-              <a:solidFill>
-                <a:schemeClr val="accent2">
-                  <a:lumMod val="75000"/>
-                </a:schemeClr>
-              </a:solidFill>
-            </a:endParaRPr>
           </a:p>
         </p:txBody>
       </p:sp>
@@ -24011,13 +24011,6 @@
               </a:rPr>
               <a:t>第四章 </a:t>
             </a:r>
-            <a:endParaRPr kumimoji="1" lang="zh-CN" altLang="en-US" sz="1400" dirty="0">
-              <a:solidFill>
-                <a:schemeClr val="accent2">
-                  <a:lumMod val="75000"/>
-                </a:schemeClr>
-              </a:solidFill>
-            </a:endParaRPr>
           </a:p>
         </p:txBody>
       </p:sp>
@@ -24082,13 +24075,6 @@
               </a:rPr>
               <a:t>第一章 </a:t>
             </a:r>
-            <a:endParaRPr kumimoji="1" lang="zh-CN" altLang="en-US" sz="1400" dirty="0">
-              <a:solidFill>
-                <a:schemeClr val="accent2">
-                  <a:lumMod val="75000"/>
-                </a:schemeClr>
-              </a:solidFill>
-            </a:endParaRPr>
           </a:p>
         </p:txBody>
       </p:sp>
@@ -24153,13 +24139,6 @@
               </a:rPr>
               <a:t>第三章 </a:t>
             </a:r>
-            <a:endParaRPr kumimoji="1" lang="zh-CN" altLang="en-US" sz="1400" dirty="0">
-              <a:solidFill>
-                <a:schemeClr val="accent2">
-                  <a:lumMod val="75000"/>
-                </a:schemeClr>
-              </a:solidFill>
-            </a:endParaRPr>
           </a:p>
         </p:txBody>
       </p:sp>
@@ -24363,6 +24342,126 @@
               </a:rPr>
               <a:t>对运营商的网络现状进行了介绍，介绍了运营商的网络数据管理现状；还对建设大数据系统地相关技术知识进行了概述，包括了数据采集、数据存储、数据呈现方式，为实际的探索应用确立了思路与基础。</a:t>
             </a:r>
+          </a:p>
+        </p:txBody>
+      </p:sp>
+      <p:sp>
+        <p:nvSpPr>
+          <p:cNvPr id="35" name="矩形 34"/>
+          <p:cNvSpPr/>
+          <p:nvPr/>
+        </p:nvSpPr>
+        <p:spPr>
+          <a:xfrm>
+            <a:off x="8294005" y="1268128"/>
+            <a:ext cx="1261884" cy="372410"/>
+          </a:xfrm>
+          <a:prstGeom prst="rect">
+            <a:avLst/>
+          </a:prstGeom>
+          <a:noFill/>
+        </p:spPr>
+        <p:txBody>
+          <a:bodyPr wrap="none">
+            <a:spAutoFit/>
+          </a:bodyPr>
+          <a:lstStyle/>
+          <a:p>
+            <a:pPr defTabSz="1219170">
+              <a:lnSpc>
+                <a:spcPct val="130000"/>
+              </a:lnSpc>
+              <a:defRPr/>
+            </a:pPr>
+            <a:r>
+              <a:rPr lang="zh-CN" altLang="en-US" sz="1400" b="1" kern="0" dirty="0" smtClean="0">
+                <a:solidFill>
+                  <a:schemeClr val="tx1">
+                    <a:lumMod val="75000"/>
+                    <a:lumOff val="25000"/>
+                  </a:schemeClr>
+                </a:solidFill>
+                <a:ea typeface="微软雅黑" charset="0"/>
+              </a:rPr>
+              <a:t>相关</a:t>
+            </a:r>
+            <a:r>
+              <a:rPr lang="zh-CN" altLang="en-US" sz="1400" b="1" kern="0" dirty="0">
+                <a:solidFill>
+                  <a:schemeClr val="tx1">
+                    <a:lumMod val="75000"/>
+                    <a:lumOff val="25000"/>
+                  </a:schemeClr>
+                </a:solidFill>
+                <a:ea typeface="微软雅黑" charset="0"/>
+              </a:rPr>
+              <a:t>知识综述</a:t>
+            </a:r>
+            <a:endParaRPr lang="en-US" altLang="zh-CN" sz="1400" b="1" kern="0" dirty="0">
+              <a:solidFill>
+                <a:schemeClr val="tx1">
+                  <a:lumMod val="75000"/>
+                  <a:lumOff val="25000"/>
+                </a:schemeClr>
+              </a:solidFill>
+              <a:ea typeface="微软雅黑" charset="0"/>
+            </a:endParaRPr>
+          </a:p>
+        </p:txBody>
+      </p:sp>
+      <p:sp>
+        <p:nvSpPr>
+          <p:cNvPr id="41" name="矩形 40"/>
+          <p:cNvSpPr/>
+          <p:nvPr/>
+        </p:nvSpPr>
+        <p:spPr>
+          <a:xfrm>
+            <a:off x="8294006" y="4641165"/>
+            <a:ext cx="2977374" cy="1029193"/>
+          </a:xfrm>
+          <a:prstGeom prst="rect">
+            <a:avLst/>
+          </a:prstGeom>
+          <a:noFill/>
+        </p:spPr>
+        <p:txBody>
+          <a:bodyPr wrap="square" numCol="1" spcCol="360000">
+            <a:spAutoFit/>
+          </a:bodyPr>
+          <a:lstStyle/>
+          <a:p>
+            <a:pPr defTabSz="609585">
+              <a:lnSpc>
+                <a:spcPct val="130000"/>
+              </a:lnSpc>
+            </a:pPr>
+            <a:r>
+              <a:rPr lang="zh-CN" altLang="en-US" sz="1200" dirty="0">
+                <a:solidFill>
+                  <a:schemeClr val="tx1">
+                    <a:lumMod val="75000"/>
+                    <a:lumOff val="25000"/>
+                  </a:schemeClr>
+                </a:solidFill>
+                <a:latin typeface="微软雅黑" charset="0"/>
+                <a:ea typeface="微软雅黑" charset="0"/>
+              </a:rPr>
+              <a:t>主要对本文所作工作进行总结，总结本文的创新点以及在实际应用中的意义，同时指出设计上的不足，为未来的工作方向做出</a:t>
+            </a:r>
+            <a:r>
+              <a:rPr lang="zh-CN" altLang="en-US" sz="1200" dirty="0" smtClean="0">
+                <a:solidFill>
+                  <a:schemeClr val="tx1">
+                    <a:lumMod val="75000"/>
+                    <a:lumOff val="25000"/>
+                  </a:schemeClr>
+                </a:solidFill>
+                <a:latin typeface="微软雅黑" charset="0"/>
+                <a:ea typeface="微软雅黑" charset="0"/>
+              </a:rPr>
+              <a:t>展望。</a:t>
+            </a:r>
             <a:endParaRPr lang="zh-CN" altLang="en-US" sz="1200" dirty="0">
               <a:solidFill>
                 <a:schemeClr val="tx1">
@@ -24378,14 +24477,14 @@
       </p:sp>
       <p:sp>
         <p:nvSpPr>
-          <p:cNvPr id="35" name="矩形 34"/>
+          <p:cNvPr id="42" name="矩形 41"/>
           <p:cNvSpPr/>
           <p:nvPr/>
         </p:nvSpPr>
         <p:spPr>
           <a:xfrm>
-            <a:off x="8294005" y="1268128"/>
-            <a:ext cx="1261884" cy="372410"/>
+            <a:off x="8294005" y="4268755"/>
+            <a:ext cx="1082348" cy="344390"/>
           </a:xfrm>
           <a:prstGeom prst="rect">
             <a:avLst/>
@@ -24414,7 +24513,7 @@
                 </a:solidFill>
                 <a:ea typeface="微软雅黑" charset="0"/>
               </a:rPr>
-              <a:t>相关</a:t>
+              <a:t>总结</a:t>
             </a:r>
             <a:r>
               <a:rPr lang="zh-CN" altLang="en-US" sz="1400" b="1" kern="0" dirty="0">
@@ -24426,7 +24525,7 @@
                 </a:solidFill>
                 <a:ea typeface="微软雅黑" charset="0"/>
               </a:rPr>
-              <a:t>知识综述</a:t>
+              <a:t>与展望</a:t>
             </a:r>
             <a:endParaRPr lang="en-US" altLang="zh-CN" sz="1400" b="1" kern="0" dirty="0">
               <a:solidFill>
@@ -24442,14 +24541,14 @@
       </p:sp>
       <p:sp>
         <p:nvSpPr>
-          <p:cNvPr id="41" name="矩形 40"/>
+          <p:cNvPr id="44" name="矩形 43"/>
           <p:cNvSpPr/>
           <p:nvPr/>
         </p:nvSpPr>
         <p:spPr>
-          <a:xfrm>
-            <a:off x="8294006" y="4641165"/>
-            <a:ext cx="2977374" cy="1029193"/>
+          <a:xfrm flipH="1">
+            <a:off x="1162249" y="1640538"/>
+            <a:ext cx="2977374" cy="1269258"/>
           </a:xfrm>
           <a:prstGeom prst="rect">
             <a:avLst/>
@@ -24462,7 +24561,7 @@
           </a:bodyPr>
           <a:lstStyle/>
           <a:p>
-            <a:pPr defTabSz="609585">
+            <a:pPr algn="r" defTabSz="609585">
               <a:lnSpc>
                 <a:spcPct val="130000"/>
               </a:lnSpc>
@@ -24478,44 +24577,21 @@
                 <a:latin typeface="微软雅黑" charset="0"/>
                 <a:ea typeface="微软雅黑" charset="0"/>
               </a:rPr>
-              <a:t>主要对本文所作工作进行总结，总结本文的创新点以及在实际应用中的意义，同时指出设计上的不足，为未来的工作方向做出</a:t>
-            </a:r>
-            <a:r>
-              <a:rPr lang="zh-CN" altLang="en-US" sz="1200" dirty="0" smtClean="0">
-                <a:solidFill>
-                  <a:schemeClr val="tx1">
-                    <a:lumMod val="75000"/>
-                    <a:lumOff val="25000"/>
-                  </a:schemeClr>
-                </a:solidFill>
-                <a:latin typeface="微软雅黑" charset="0"/>
-                <a:ea typeface="微软雅黑" charset="0"/>
-              </a:rPr>
-              <a:t>展望。</a:t>
-            </a:r>
-            <a:endParaRPr lang="zh-CN" altLang="en-US" sz="1200" dirty="0">
-              <a:solidFill>
-                <a:schemeClr val="tx1">
-                  <a:lumMod val="75000"/>
-                  <a:lumOff val="25000"/>
-                </a:schemeClr>
-              </a:solidFill>
-              <a:latin typeface="微软雅黑" charset="0"/>
-              <a:ea typeface="微软雅黑" charset="0"/>
-            </a:endParaRPr>
-          </a:p>
-        </p:txBody>
-      </p:sp>
-      <p:sp>
-        <p:nvSpPr>
-          <p:cNvPr id="42" name="矩形 41"/>
+              <a:t>主要介绍论文的选题背景以及研究意义，介绍了当前运营商在网络管理维护工作中的窘境，由此提出运用大数据以及数据挖掘技术在相关工作中的作用以及意义，随后对本文所作的工作进行了简要的介绍。</a:t>
+            </a:r>
+          </a:p>
+        </p:txBody>
+      </p:sp>
+      <p:sp>
+        <p:nvSpPr>
+          <p:cNvPr id="45" name="矩形 44"/>
           <p:cNvSpPr/>
           <p:nvPr/>
         </p:nvSpPr>
         <p:spPr>
-          <a:xfrm>
-            <a:off x="8294005" y="4268755"/>
-            <a:ext cx="1082348" cy="344390"/>
+          <a:xfrm flipH="1">
+            <a:off x="3595885" y="1268128"/>
+            <a:ext cx="543739" cy="344390"/>
           </a:xfrm>
           <a:prstGeom prst="rect">
             <a:avLst/>
@@ -24528,7 +24604,7 @@
           </a:bodyPr>
           <a:lstStyle/>
           <a:p>
-            <a:pPr defTabSz="1219170">
+            <a:pPr algn="r" defTabSz="1219170">
               <a:lnSpc>
                 <a:spcPct val="130000"/>
               </a:lnSpc>
@@ -24544,19 +24620,7 @@
                 </a:solidFill>
                 <a:ea typeface="微软雅黑" charset="0"/>
               </a:rPr>
-              <a:t>总结</a:t>
-            </a:r>
-            <a:r>
-              <a:rPr lang="zh-CN" altLang="en-US" sz="1400" b="1" kern="0" dirty="0">
-                <a:solidFill>
-                  <a:schemeClr val="tx1">
-                    <a:lumMod val="75000"/>
-                    <a:lumOff val="25000"/>
-                  </a:schemeClr>
-                </a:solidFill>
-                <a:ea typeface="微软雅黑" charset="0"/>
-              </a:rPr>
-              <a:t>与展望</a:t>
+              <a:t>绪论</a:t>
             </a:r>
             <a:endParaRPr lang="en-US" altLang="zh-CN" sz="1400" b="1" kern="0" dirty="0">
               <a:solidFill>
@@ -24572,111 +24636,6 @@
       </p:sp>
       <p:sp>
         <p:nvSpPr>
-          <p:cNvPr id="44" name="矩形 43"/>
-          <p:cNvSpPr/>
-          <p:nvPr/>
-        </p:nvSpPr>
-        <p:spPr>
-          <a:xfrm flipH="1">
-            <a:off x="1162249" y="1640538"/>
-            <a:ext cx="2977374" cy="1269258"/>
-          </a:xfrm>
-          <a:prstGeom prst="rect">
-            <a:avLst/>
-          </a:prstGeom>
-          <a:noFill/>
-        </p:spPr>
-        <p:txBody>
-          <a:bodyPr wrap="square" numCol="1" spcCol="360000">
-            <a:spAutoFit/>
-          </a:bodyPr>
-          <a:lstStyle/>
-          <a:p>
-            <a:pPr algn="r" defTabSz="609585">
-              <a:lnSpc>
-                <a:spcPct val="130000"/>
-              </a:lnSpc>
-            </a:pPr>
-            <a:r>
-              <a:rPr lang="zh-CN" altLang="en-US" sz="1200" dirty="0">
-                <a:solidFill>
-                  <a:schemeClr val="tx1">
-                    <a:lumMod val="75000"/>
-                    <a:lumOff val="25000"/>
-                  </a:schemeClr>
-                </a:solidFill>
-                <a:latin typeface="微软雅黑" charset="0"/>
-                <a:ea typeface="微软雅黑" charset="0"/>
-              </a:rPr>
-              <a:t>主要介绍论文的选题背景以及研究意义，介绍了当前运营商在网络管理维护工作中的窘境，由此提出运用大数据以及数据挖掘技术在相关工作中的作用以及意义，随后对本文所作的工作进行了简要的介绍。</a:t>
-            </a:r>
-            <a:endParaRPr lang="zh-CN" altLang="en-US" sz="1200" dirty="0">
-              <a:solidFill>
-                <a:schemeClr val="tx1">
-                  <a:lumMod val="75000"/>
-                  <a:lumOff val="25000"/>
-                </a:schemeClr>
-              </a:solidFill>
-              <a:latin typeface="微软雅黑" charset="0"/>
-              <a:ea typeface="微软雅黑" charset="0"/>
-            </a:endParaRPr>
-          </a:p>
-        </p:txBody>
-      </p:sp>
-      <p:sp>
-        <p:nvSpPr>
-          <p:cNvPr id="45" name="矩形 44"/>
-          <p:cNvSpPr/>
-          <p:nvPr/>
-        </p:nvSpPr>
-        <p:spPr>
-          <a:xfrm flipH="1">
-            <a:off x="3595885" y="1268128"/>
-            <a:ext cx="543739" cy="344390"/>
-          </a:xfrm>
-          <a:prstGeom prst="rect">
-            <a:avLst/>
-          </a:prstGeom>
-          <a:noFill/>
-        </p:spPr>
-        <p:txBody>
-          <a:bodyPr wrap="none">
-            <a:spAutoFit/>
-          </a:bodyPr>
-          <a:lstStyle/>
-          <a:p>
-            <a:pPr algn="r" defTabSz="1219170">
-              <a:lnSpc>
-                <a:spcPct val="130000"/>
-              </a:lnSpc>
-              <a:defRPr/>
-            </a:pPr>
-            <a:r>
-              <a:rPr lang="zh-CN" altLang="en-US" sz="1400" b="1" kern="0" dirty="0" smtClean="0">
-                <a:solidFill>
-                  <a:schemeClr val="tx1">
-                    <a:lumMod val="75000"/>
-                    <a:lumOff val="25000"/>
-                  </a:schemeClr>
-                </a:solidFill>
-                <a:ea typeface="微软雅黑" charset="0"/>
-              </a:rPr>
-              <a:t>绪论</a:t>
-            </a:r>
-            <a:endParaRPr lang="en-US" altLang="zh-CN" sz="1400" b="1" kern="0" dirty="0">
-              <a:solidFill>
-                <a:schemeClr val="tx1">
-                  <a:lumMod val="75000"/>
-                  <a:lumOff val="25000"/>
-                </a:schemeClr>
-              </a:solidFill>
-              <a:ea typeface="微软雅黑" charset="0"/>
-            </a:endParaRPr>
-          </a:p>
-        </p:txBody>
-      </p:sp>
-      <p:sp>
-        <p:nvSpPr>
           <p:cNvPr id="50" name="矩形 49"/>
           <p:cNvSpPr/>
           <p:nvPr/>
@@ -24741,16 +24700,6 @@
               </a:rPr>
               <a:t>了初步的探索</a:t>
             </a:r>
-            <a:endParaRPr lang="zh-CN" altLang="en-US" sz="1200" dirty="0">
-              <a:solidFill>
-                <a:schemeClr val="tx1">
-                  <a:lumMod val="75000"/>
-                  <a:lumOff val="25000"/>
-                </a:schemeClr>
-              </a:solidFill>
-              <a:latin typeface="微软雅黑" charset="0"/>
-              <a:ea typeface="微软雅黑" charset="0"/>
-            </a:endParaRPr>
           </a:p>
         </p:txBody>
       </p:sp>
